--- a/Presentations/2 - PLanguage.pptx
+++ b/Presentations/2 - PLanguage.pptx
@@ -5,15 +5,22 @@
     <p:sldMasterId id="2147483672" r:id="rId1"/>
   </p:sldMasterIdLst>
   <p:notesMasterIdLst>
-    <p:notesMasterId r:id="rId5"/>
+    <p:notesMasterId r:id="rId12"/>
   </p:notesMasterIdLst>
   <p:handoutMasterIdLst>
-    <p:handoutMasterId r:id="rId6"/>
+    <p:handoutMasterId r:id="rId13"/>
   </p:handoutMasterIdLst>
   <p:sldIdLst>
     <p:sldId id="256" r:id="rId2"/>
     <p:sldId id="257" r:id="rId3"/>
     <p:sldId id="258" r:id="rId4"/>
+    <p:sldId id="260" r:id="rId5"/>
+    <p:sldId id="259" r:id="rId6"/>
+    <p:sldId id="265" r:id="rId7"/>
+    <p:sldId id="264" r:id="rId8"/>
+    <p:sldId id="261" r:id="rId9"/>
+    <p:sldId id="262" r:id="rId10"/>
+    <p:sldId id="263" r:id="rId11"/>
   </p:sldIdLst>
   <p:sldSz cx="9144000" cy="6858000" type="screen4x3"/>
   <p:notesSz cx="6858000" cy="9144000"/>
@@ -217,7 +224,7 @@
           <a:p>
             <a:fld id="{FC61A6FD-3ACD-4666-B601-2198EA538879}" type="datetimeFigureOut">
               <a:rPr lang="en-US" smtClean="0"/>
-              <a:t>6/7/2019</a:t>
+              <a:t>6/21/2019</a:t>
             </a:fld>
             <a:endParaRPr lang="en-US"/>
           </a:p>
@@ -395,7 +402,7 @@
           <a:p>
             <a:fld id="{37DF9D4D-9EA6-4037-AB5B-4AEE090FBDF0}" type="datetimeFigureOut">
               <a:rPr lang="en-US" smtClean="0"/>
-              <a:t>6/7/2019</a:t>
+              <a:t>6/21/2019</a:t>
             </a:fld>
             <a:endParaRPr lang="en-US"/>
           </a:p>
@@ -3513,7 +3520,7 @@
           <a:p>
             <a:r>
               <a:rPr lang="en-US" dirty="0" smtClean="0"/>
-              <a:t>Introduction</a:t>
+              <a:t>P Language</a:t>
             </a:r>
             <a:endParaRPr lang="en-US" dirty="0"/>
           </a:p>
@@ -3536,7 +3543,11 @@
           <a:p>
             <a:r>
               <a:rPr lang="en-US" dirty="0" smtClean="0"/>
-              <a:t>PLDI 2019 Tutorials</a:t>
+              <a:t>PLDI </a:t>
+            </a:r>
+            <a:r>
+              <a:rPr lang="en-US" dirty="0" smtClean="0"/>
+              <a:t>2019</a:t>
             </a:r>
             <a:endParaRPr lang="en-US" dirty="0"/>
           </a:p>
@@ -3552,6 +3563,162 @@
   <p:clrMapOvr>
     <a:masterClrMapping/>
   </p:clrMapOvr>
+  <p:timing>
+    <p:tnLst>
+      <p:par>
+        <p:cTn id="1" dur="indefinite" restart="never" nodeType="tmRoot"/>
+      </p:par>
+    </p:tnLst>
+  </p:timing>
+</p:sld>
+</file>
+
+<file path=ppt/slides/slide10.xml><?xml version="1.0" encoding="utf-8"?>
+<p:sld xmlns:a="http://schemas.openxmlformats.org/drawingml/2006/main" xmlns:r="http://schemas.openxmlformats.org/officeDocument/2006/relationships" xmlns:p="http://schemas.openxmlformats.org/presentationml/2006/main">
+  <p:cSld>
+    <p:spTree>
+      <p:nvGrpSpPr>
+        <p:cNvPr id="1" name=""/>
+        <p:cNvGrpSpPr/>
+        <p:nvPr/>
+      </p:nvGrpSpPr>
+      <p:grpSpPr>
+        <a:xfrm>
+          <a:off x="0" y="0"/>
+          <a:ext cx="0" cy="0"/>
+          <a:chOff x="0" y="0"/>
+          <a:chExt cx="0" cy="0"/>
+        </a:xfrm>
+      </p:grpSpPr>
+      <p:sp>
+        <p:nvSpPr>
+          <p:cNvPr id="2" name="Title 1"/>
+          <p:cNvSpPr>
+            <a:spLocks noGrp="1"/>
+          </p:cNvSpPr>
+          <p:nvPr>
+            <p:ph type="title"/>
+          </p:nvPr>
+        </p:nvSpPr>
+        <p:spPr/>
+        <p:txBody>
+          <a:bodyPr/>
+          <a:lstStyle/>
+          <a:p>
+            <a:r>
+              <a:rPr lang="en-US" dirty="0" smtClean="0"/>
+              <a:t>Liveness Monitors</a:t>
+            </a:r>
+            <a:endParaRPr lang="en-US" dirty="0"/>
+          </a:p>
+        </p:txBody>
+      </p:sp>
+      <p:sp>
+        <p:nvSpPr>
+          <p:cNvPr id="3" name="Content Placeholder 2"/>
+          <p:cNvSpPr>
+            <a:spLocks noGrp="1"/>
+          </p:cNvSpPr>
+          <p:nvPr>
+            <p:ph idx="1"/>
+          </p:nvPr>
+        </p:nvSpPr>
+        <p:spPr/>
+        <p:txBody>
+          <a:bodyPr/>
+          <a:lstStyle/>
+          <a:p>
+            <a:endParaRPr lang="en-US"/>
+          </a:p>
+        </p:txBody>
+      </p:sp>
+      <p:sp>
+        <p:nvSpPr>
+          <p:cNvPr id="4" name="Date Placeholder 3"/>
+          <p:cNvSpPr>
+            <a:spLocks noGrp="1"/>
+          </p:cNvSpPr>
+          <p:nvPr>
+            <p:ph type="dt" sz="half" idx="10"/>
+          </p:nvPr>
+        </p:nvSpPr>
+        <p:spPr/>
+        <p:txBody>
+          <a:bodyPr/>
+          <a:lstStyle/>
+          <a:p>
+            <a:r>
+              <a:rPr lang="en-US" smtClean="0"/>
+              <a:t>PLDI 2019</a:t>
+            </a:r>
+            <a:endParaRPr lang="en-US" dirty="0"/>
+          </a:p>
+        </p:txBody>
+      </p:sp>
+      <p:sp>
+        <p:nvSpPr>
+          <p:cNvPr id="5" name="Footer Placeholder 4"/>
+          <p:cNvSpPr>
+            <a:spLocks noGrp="1"/>
+          </p:cNvSpPr>
+          <p:nvPr>
+            <p:ph type="ftr" sz="quarter" idx="11"/>
+          </p:nvPr>
+        </p:nvSpPr>
+        <p:spPr/>
+        <p:txBody>
+          <a:bodyPr/>
+          <a:lstStyle/>
+          <a:p>
+            <a:r>
+              <a:rPr lang="en-US" smtClean="0"/>
+              <a:t>Compositional Programming and Testing of Event-Driven Systems</a:t>
+            </a:r>
+            <a:endParaRPr lang="en-US" dirty="0"/>
+          </a:p>
+        </p:txBody>
+      </p:sp>
+      <p:sp>
+        <p:nvSpPr>
+          <p:cNvPr id="6" name="Slide Number Placeholder 5"/>
+          <p:cNvSpPr>
+            <a:spLocks noGrp="1"/>
+          </p:cNvSpPr>
+          <p:nvPr>
+            <p:ph type="sldNum" sz="quarter" idx="12"/>
+          </p:nvPr>
+        </p:nvSpPr>
+        <p:spPr/>
+        <p:txBody>
+          <a:bodyPr/>
+          <a:lstStyle/>
+          <a:p>
+            <a:fld id="{77CC721F-1D71-470D-9ADD-E53F1C9EB23A}" type="slidenum">
+              <a:rPr lang="en-US" smtClean="0"/>
+              <a:pPr/>
+              <a:t>10</a:t>
+            </a:fld>
+            <a:endParaRPr lang="en-US" dirty="0"/>
+          </a:p>
+        </p:txBody>
+      </p:sp>
+    </p:spTree>
+    <p:extLst>
+      <p:ext uri="{BB962C8B-B14F-4D97-AF65-F5344CB8AC3E}">
+        <p14:creationId xmlns:p14="http://schemas.microsoft.com/office/powerpoint/2010/main" val="2059239894"/>
+      </p:ext>
+    </p:extLst>
+  </p:cSld>
+  <p:clrMapOvr>
+    <a:masterClrMapping/>
+  </p:clrMapOvr>
+  <p:timing>
+    <p:tnLst>
+      <p:par>
+        <p:cTn id="1" dur="indefinite" restart="never" nodeType="tmRoot"/>
+      </p:par>
+    </p:tnLst>
+  </p:timing>
 </p:sld>
 </file>
 
@@ -3584,12 +3751,14 @@
         </p:nvSpPr>
         <p:spPr/>
         <p:txBody>
-          <a:bodyPr/>
+          <a:bodyPr>
+            <a:normAutofit fontScale="90000"/>
+          </a:bodyPr>
           <a:lstStyle/>
           <a:p>
             <a:r>
               <a:rPr lang="en-US" dirty="0" smtClean="0"/>
-              <a:t>Presenters</a:t>
+              <a:t>Communicating State Machines</a:t>
             </a:r>
             <a:endParaRPr lang="en-US" dirty="0"/>
           </a:p>
@@ -3605,12 +3774,102 @@
             <p:ph idx="1"/>
           </p:nvPr>
         </p:nvSpPr>
-        <p:spPr/>
-        <p:txBody>
-          <a:bodyPr/>
-          <a:lstStyle/>
-          <a:p>
-            <a:endParaRPr lang="en-US"/>
+        <p:spPr>
+          <a:xfrm>
+            <a:off x="822960" y="1411294"/>
+            <a:ext cx="7543801" cy="2828136"/>
+          </a:xfrm>
+        </p:spPr>
+        <p:txBody>
+          <a:bodyPr>
+            <a:noAutofit/>
+          </a:bodyPr>
+          <a:lstStyle/>
+          <a:p>
+            <a:r>
+              <a:rPr lang="en-US" dirty="0" smtClean="0"/>
+              <a:t>A P program is a collection of asynchronously communicating state machines (</a:t>
+            </a:r>
+            <a:r>
+              <a:rPr lang="en-US" b="1" dirty="0" smtClean="0"/>
+              <a:t>actor</a:t>
+            </a:r>
+            <a:r>
+              <a:rPr lang="en-US" dirty="0" smtClean="0"/>
+              <a:t> model of computation).</a:t>
+            </a:r>
+          </a:p>
+          <a:p>
+            <a:pPr marL="457200" indent="-457200">
+              <a:buFont typeface="+mj-lt"/>
+              <a:buAutoNum type="arabicPeriod"/>
+            </a:pPr>
+            <a:r>
+              <a:rPr lang="en-US" dirty="0" smtClean="0"/>
+              <a:t>Machines run concurrently.</a:t>
+            </a:r>
+          </a:p>
+          <a:p>
+            <a:pPr marL="457200" indent="-457200">
+              <a:buFont typeface="+mj-lt"/>
+              <a:buAutoNum type="arabicPeriod"/>
+            </a:pPr>
+            <a:r>
+              <a:rPr lang="en-US" dirty="0" smtClean="0"/>
+              <a:t>Machines communicate by </a:t>
+            </a:r>
+            <a:r>
+              <a:rPr lang="en-US" dirty="0" err="1" smtClean="0"/>
+              <a:t>async</a:t>
+            </a:r>
+            <a:r>
+              <a:rPr lang="en-US" dirty="0" smtClean="0"/>
+              <a:t>. sending messages to each-others </a:t>
+            </a:r>
+            <a:r>
+              <a:rPr lang="en-US" dirty="0" smtClean="0"/>
+              <a:t> FIFO queue.</a:t>
+            </a:r>
+          </a:p>
+          <a:p>
+            <a:pPr marL="457200" indent="-457200">
+              <a:lnSpc>
+                <a:spcPct val="100000"/>
+              </a:lnSpc>
+              <a:buFont typeface="+mj-lt"/>
+              <a:buAutoNum type="arabicPeriod"/>
+            </a:pPr>
+            <a:r>
+              <a:rPr lang="en-US" dirty="0"/>
+              <a:t>A machine </a:t>
+            </a:r>
+            <a:r>
+              <a:rPr lang="en-US" dirty="0" err="1"/>
+              <a:t>dequeues</a:t>
+            </a:r>
+            <a:r>
+              <a:rPr lang="en-US" dirty="0"/>
+              <a:t> events and performs </a:t>
+            </a:r>
+            <a:r>
+              <a:rPr lang="en-US" dirty="0" smtClean="0"/>
+              <a:t>computations.</a:t>
+            </a:r>
+            <a:endParaRPr lang="en-US" dirty="0"/>
+          </a:p>
+          <a:p>
+            <a:pPr marL="457200" indent="-457200">
+              <a:buFont typeface="+mj-lt"/>
+              <a:buAutoNum type="arabicPeriod"/>
+            </a:pPr>
+            <a:endParaRPr lang="en-US" dirty="0" smtClean="0"/>
+          </a:p>
+          <a:p>
+            <a:pPr marL="457200" indent="-457200">
+              <a:buFont typeface="+mj-lt"/>
+              <a:buAutoNum type="arabicPeriod"/>
+            </a:pPr>
+            <a:endParaRPr lang="en-US" dirty="0"/>
           </a:p>
         </p:txBody>
       </p:sp>
@@ -3681,6 +3940,732 @@
               <a:t>2</a:t>
             </a:fld>
             <a:endParaRPr lang="en-US" dirty="0"/>
+          </a:p>
+        </p:txBody>
+      </p:sp>
+      <p:grpSp>
+        <p:nvGrpSpPr>
+          <p:cNvPr id="7" name="Group 6"/>
+          <p:cNvGrpSpPr/>
+          <p:nvPr/>
+        </p:nvGrpSpPr>
+        <p:grpSpPr>
+          <a:xfrm>
+            <a:off x="1222710" y="4414428"/>
+            <a:ext cx="1880754" cy="703811"/>
+            <a:chOff x="1496291" y="2423853"/>
+            <a:chExt cx="1880754" cy="703811"/>
+          </a:xfrm>
+        </p:grpSpPr>
+        <p:sp>
+          <p:nvSpPr>
+            <p:cNvPr id="8" name="Oval 7"/>
+            <p:cNvSpPr/>
+            <p:nvPr/>
+          </p:nvSpPr>
+          <p:spPr>
+            <a:xfrm>
+              <a:off x="1496291" y="2452255"/>
+              <a:ext cx="675409" cy="675409"/>
+            </a:xfrm>
+            <a:prstGeom prst="ellipse">
+              <a:avLst/>
+            </a:prstGeom>
+            <a:noFill/>
+            <a:ln w="25400">
+              <a:solidFill>
+                <a:schemeClr val="tx1"/>
+              </a:solidFill>
+            </a:ln>
+          </p:spPr>
+          <p:style>
+            <a:lnRef idx="2">
+              <a:schemeClr val="accent1">
+                <a:shade val="50000"/>
+              </a:schemeClr>
+            </a:lnRef>
+            <a:fillRef idx="1">
+              <a:schemeClr val="accent1"/>
+            </a:fillRef>
+            <a:effectRef idx="0">
+              <a:schemeClr val="accent1"/>
+            </a:effectRef>
+            <a:fontRef idx="minor">
+              <a:schemeClr val="lt1"/>
+            </a:fontRef>
+          </p:style>
+          <p:txBody>
+            <a:bodyPr rtlCol="0" anchor="ctr"/>
+            <a:lstStyle/>
+            <a:p>
+              <a:pPr algn="ctr"/>
+              <a:endParaRPr lang="en-US"/>
+            </a:p>
+          </p:txBody>
+        </p:sp>
+        <p:sp>
+          <p:nvSpPr>
+            <p:cNvPr id="9" name="Rectangle 8"/>
+            <p:cNvSpPr/>
+            <p:nvPr/>
+          </p:nvSpPr>
+          <p:spPr>
+            <a:xfrm>
+              <a:off x="2389909" y="2431473"/>
+              <a:ext cx="987136" cy="374072"/>
+            </a:xfrm>
+            <a:prstGeom prst="rect">
+              <a:avLst/>
+            </a:prstGeom>
+            <a:noFill/>
+            <a:ln w="25400">
+              <a:solidFill>
+                <a:schemeClr val="tx1"/>
+              </a:solidFill>
+            </a:ln>
+          </p:spPr>
+          <p:style>
+            <a:lnRef idx="2">
+              <a:schemeClr val="accent1">
+                <a:shade val="50000"/>
+              </a:schemeClr>
+            </a:lnRef>
+            <a:fillRef idx="1">
+              <a:schemeClr val="accent1"/>
+            </a:fillRef>
+            <a:effectRef idx="0">
+              <a:schemeClr val="accent1"/>
+            </a:effectRef>
+            <a:fontRef idx="minor">
+              <a:schemeClr val="lt1"/>
+            </a:fontRef>
+          </p:style>
+          <p:txBody>
+            <a:bodyPr rtlCol="0" anchor="ctr"/>
+            <a:lstStyle/>
+            <a:p>
+              <a:pPr algn="ctr"/>
+              <a:endParaRPr lang="en-US"/>
+            </a:p>
+          </p:txBody>
+        </p:sp>
+        <p:cxnSp>
+          <p:nvCxnSpPr>
+            <p:cNvPr id="10" name="Straight Connector 9"/>
+            <p:cNvCxnSpPr/>
+            <p:nvPr/>
+          </p:nvCxnSpPr>
+          <p:spPr>
+            <a:xfrm>
+              <a:off x="2640330" y="2431473"/>
+              <a:ext cx="0" cy="374072"/>
+            </a:xfrm>
+            <a:prstGeom prst="line">
+              <a:avLst/>
+            </a:prstGeom>
+            <a:ln w="25400">
+              <a:solidFill>
+                <a:schemeClr val="tx1"/>
+              </a:solidFill>
+            </a:ln>
+          </p:spPr>
+          <p:style>
+            <a:lnRef idx="1">
+              <a:schemeClr val="accent1"/>
+            </a:lnRef>
+            <a:fillRef idx="0">
+              <a:schemeClr val="accent1"/>
+            </a:fillRef>
+            <a:effectRef idx="0">
+              <a:schemeClr val="accent1"/>
+            </a:effectRef>
+            <a:fontRef idx="minor">
+              <a:schemeClr val="tx1"/>
+            </a:fontRef>
+          </p:style>
+        </p:cxnSp>
+        <p:cxnSp>
+          <p:nvCxnSpPr>
+            <p:cNvPr id="11" name="Straight Connector 10"/>
+            <p:cNvCxnSpPr/>
+            <p:nvPr/>
+          </p:nvCxnSpPr>
+          <p:spPr>
+            <a:xfrm>
+              <a:off x="2884170" y="2423853"/>
+              <a:ext cx="0" cy="374072"/>
+            </a:xfrm>
+            <a:prstGeom prst="line">
+              <a:avLst/>
+            </a:prstGeom>
+            <a:ln w="25400">
+              <a:solidFill>
+                <a:schemeClr val="tx1"/>
+              </a:solidFill>
+            </a:ln>
+          </p:spPr>
+          <p:style>
+            <a:lnRef idx="1">
+              <a:schemeClr val="accent1"/>
+            </a:lnRef>
+            <a:fillRef idx="0">
+              <a:schemeClr val="accent1"/>
+            </a:fillRef>
+            <a:effectRef idx="0">
+              <a:schemeClr val="accent1"/>
+            </a:effectRef>
+            <a:fontRef idx="minor">
+              <a:schemeClr val="tx1"/>
+            </a:fontRef>
+          </p:style>
+        </p:cxnSp>
+        <p:cxnSp>
+          <p:nvCxnSpPr>
+            <p:cNvPr id="12" name="Straight Connector 11"/>
+            <p:cNvCxnSpPr/>
+            <p:nvPr/>
+          </p:nvCxnSpPr>
+          <p:spPr>
+            <a:xfrm>
+              <a:off x="3124200" y="2435283"/>
+              <a:ext cx="0" cy="374072"/>
+            </a:xfrm>
+            <a:prstGeom prst="line">
+              <a:avLst/>
+            </a:prstGeom>
+            <a:ln w="25400">
+              <a:solidFill>
+                <a:schemeClr val="tx1"/>
+              </a:solidFill>
+            </a:ln>
+          </p:spPr>
+          <p:style>
+            <a:lnRef idx="1">
+              <a:schemeClr val="accent1"/>
+            </a:lnRef>
+            <a:fillRef idx="0">
+              <a:schemeClr val="accent1"/>
+            </a:fillRef>
+            <a:effectRef idx="0">
+              <a:schemeClr val="accent1"/>
+            </a:effectRef>
+            <a:fontRef idx="minor">
+              <a:schemeClr val="tx1"/>
+            </a:fontRef>
+          </p:style>
+        </p:cxnSp>
+      </p:grpSp>
+      <p:grpSp>
+        <p:nvGrpSpPr>
+          <p:cNvPr id="13" name="Group 12"/>
+          <p:cNvGrpSpPr/>
+          <p:nvPr/>
+        </p:nvGrpSpPr>
+        <p:grpSpPr>
+          <a:xfrm>
+            <a:off x="6085490" y="4276011"/>
+            <a:ext cx="1880754" cy="703811"/>
+            <a:chOff x="1496291" y="2423853"/>
+            <a:chExt cx="1880754" cy="703811"/>
+          </a:xfrm>
+        </p:grpSpPr>
+        <p:sp>
+          <p:nvSpPr>
+            <p:cNvPr id="14" name="Oval 13"/>
+            <p:cNvSpPr/>
+            <p:nvPr/>
+          </p:nvSpPr>
+          <p:spPr>
+            <a:xfrm>
+              <a:off x="1496291" y="2452255"/>
+              <a:ext cx="675409" cy="675409"/>
+            </a:xfrm>
+            <a:prstGeom prst="ellipse">
+              <a:avLst/>
+            </a:prstGeom>
+            <a:noFill/>
+            <a:ln w="25400">
+              <a:solidFill>
+                <a:schemeClr val="tx1"/>
+              </a:solidFill>
+            </a:ln>
+          </p:spPr>
+          <p:style>
+            <a:lnRef idx="2">
+              <a:schemeClr val="accent1">
+                <a:shade val="50000"/>
+              </a:schemeClr>
+            </a:lnRef>
+            <a:fillRef idx="1">
+              <a:schemeClr val="accent1"/>
+            </a:fillRef>
+            <a:effectRef idx="0">
+              <a:schemeClr val="accent1"/>
+            </a:effectRef>
+            <a:fontRef idx="minor">
+              <a:schemeClr val="lt1"/>
+            </a:fontRef>
+          </p:style>
+          <p:txBody>
+            <a:bodyPr rtlCol="0" anchor="ctr"/>
+            <a:lstStyle/>
+            <a:p>
+              <a:pPr algn="ctr"/>
+              <a:endParaRPr lang="en-US"/>
+            </a:p>
+          </p:txBody>
+        </p:sp>
+        <p:sp>
+          <p:nvSpPr>
+            <p:cNvPr id="15" name="Rectangle 14"/>
+            <p:cNvSpPr/>
+            <p:nvPr/>
+          </p:nvSpPr>
+          <p:spPr>
+            <a:xfrm>
+              <a:off x="2389909" y="2431473"/>
+              <a:ext cx="987136" cy="374072"/>
+            </a:xfrm>
+            <a:prstGeom prst="rect">
+              <a:avLst/>
+            </a:prstGeom>
+            <a:noFill/>
+            <a:ln w="25400">
+              <a:solidFill>
+                <a:schemeClr val="tx1"/>
+              </a:solidFill>
+            </a:ln>
+          </p:spPr>
+          <p:style>
+            <a:lnRef idx="2">
+              <a:schemeClr val="accent1">
+                <a:shade val="50000"/>
+              </a:schemeClr>
+            </a:lnRef>
+            <a:fillRef idx="1">
+              <a:schemeClr val="accent1"/>
+            </a:fillRef>
+            <a:effectRef idx="0">
+              <a:schemeClr val="accent1"/>
+            </a:effectRef>
+            <a:fontRef idx="minor">
+              <a:schemeClr val="lt1"/>
+            </a:fontRef>
+          </p:style>
+          <p:txBody>
+            <a:bodyPr rtlCol="0" anchor="ctr"/>
+            <a:lstStyle/>
+            <a:p>
+              <a:pPr algn="ctr"/>
+              <a:endParaRPr lang="en-US"/>
+            </a:p>
+          </p:txBody>
+        </p:sp>
+        <p:cxnSp>
+          <p:nvCxnSpPr>
+            <p:cNvPr id="16" name="Straight Connector 15"/>
+            <p:cNvCxnSpPr/>
+            <p:nvPr/>
+          </p:nvCxnSpPr>
+          <p:spPr>
+            <a:xfrm>
+              <a:off x="2640330" y="2431473"/>
+              <a:ext cx="0" cy="374072"/>
+            </a:xfrm>
+            <a:prstGeom prst="line">
+              <a:avLst/>
+            </a:prstGeom>
+            <a:ln w="25400">
+              <a:solidFill>
+                <a:schemeClr val="tx1"/>
+              </a:solidFill>
+            </a:ln>
+          </p:spPr>
+          <p:style>
+            <a:lnRef idx="1">
+              <a:schemeClr val="accent1"/>
+            </a:lnRef>
+            <a:fillRef idx="0">
+              <a:schemeClr val="accent1"/>
+            </a:fillRef>
+            <a:effectRef idx="0">
+              <a:schemeClr val="accent1"/>
+            </a:effectRef>
+            <a:fontRef idx="minor">
+              <a:schemeClr val="tx1"/>
+            </a:fontRef>
+          </p:style>
+        </p:cxnSp>
+        <p:cxnSp>
+          <p:nvCxnSpPr>
+            <p:cNvPr id="17" name="Straight Connector 16"/>
+            <p:cNvCxnSpPr/>
+            <p:nvPr/>
+          </p:nvCxnSpPr>
+          <p:spPr>
+            <a:xfrm>
+              <a:off x="2884170" y="2423853"/>
+              <a:ext cx="0" cy="374072"/>
+            </a:xfrm>
+            <a:prstGeom prst="line">
+              <a:avLst/>
+            </a:prstGeom>
+            <a:ln w="25400">
+              <a:solidFill>
+                <a:schemeClr val="tx1"/>
+              </a:solidFill>
+            </a:ln>
+          </p:spPr>
+          <p:style>
+            <a:lnRef idx="1">
+              <a:schemeClr val="accent1"/>
+            </a:lnRef>
+            <a:fillRef idx="0">
+              <a:schemeClr val="accent1"/>
+            </a:fillRef>
+            <a:effectRef idx="0">
+              <a:schemeClr val="accent1"/>
+            </a:effectRef>
+            <a:fontRef idx="minor">
+              <a:schemeClr val="tx1"/>
+            </a:fontRef>
+          </p:style>
+        </p:cxnSp>
+        <p:cxnSp>
+          <p:nvCxnSpPr>
+            <p:cNvPr id="18" name="Straight Connector 17"/>
+            <p:cNvCxnSpPr/>
+            <p:nvPr/>
+          </p:nvCxnSpPr>
+          <p:spPr>
+            <a:xfrm>
+              <a:off x="3124200" y="2435283"/>
+              <a:ext cx="0" cy="374072"/>
+            </a:xfrm>
+            <a:prstGeom prst="line">
+              <a:avLst/>
+            </a:prstGeom>
+            <a:ln w="25400">
+              <a:solidFill>
+                <a:schemeClr val="tx1"/>
+              </a:solidFill>
+            </a:ln>
+          </p:spPr>
+          <p:style>
+            <a:lnRef idx="1">
+              <a:schemeClr val="accent1"/>
+            </a:lnRef>
+            <a:fillRef idx="0">
+              <a:schemeClr val="accent1"/>
+            </a:fillRef>
+            <a:effectRef idx="0">
+              <a:schemeClr val="accent1"/>
+            </a:effectRef>
+            <a:fontRef idx="minor">
+              <a:schemeClr val="tx1"/>
+            </a:fontRef>
+          </p:style>
+        </p:cxnSp>
+      </p:grpSp>
+      <p:grpSp>
+        <p:nvGrpSpPr>
+          <p:cNvPr id="19" name="Group 18"/>
+          <p:cNvGrpSpPr/>
+          <p:nvPr/>
+        </p:nvGrpSpPr>
+        <p:grpSpPr>
+          <a:xfrm>
+            <a:off x="3400348" y="5473753"/>
+            <a:ext cx="1880754" cy="703811"/>
+            <a:chOff x="1496291" y="2423853"/>
+            <a:chExt cx="1880754" cy="703811"/>
+          </a:xfrm>
+        </p:grpSpPr>
+        <p:sp>
+          <p:nvSpPr>
+            <p:cNvPr id="20" name="Oval 19"/>
+            <p:cNvSpPr/>
+            <p:nvPr/>
+          </p:nvSpPr>
+          <p:spPr>
+            <a:xfrm>
+              <a:off x="1496291" y="2452255"/>
+              <a:ext cx="675409" cy="675409"/>
+            </a:xfrm>
+            <a:prstGeom prst="ellipse">
+              <a:avLst/>
+            </a:prstGeom>
+            <a:noFill/>
+            <a:ln w="25400">
+              <a:solidFill>
+                <a:schemeClr val="tx1"/>
+              </a:solidFill>
+            </a:ln>
+          </p:spPr>
+          <p:style>
+            <a:lnRef idx="2">
+              <a:schemeClr val="accent1">
+                <a:shade val="50000"/>
+              </a:schemeClr>
+            </a:lnRef>
+            <a:fillRef idx="1">
+              <a:schemeClr val="accent1"/>
+            </a:fillRef>
+            <a:effectRef idx="0">
+              <a:schemeClr val="accent1"/>
+            </a:effectRef>
+            <a:fontRef idx="minor">
+              <a:schemeClr val="lt1"/>
+            </a:fontRef>
+          </p:style>
+          <p:txBody>
+            <a:bodyPr rtlCol="0" anchor="ctr"/>
+            <a:lstStyle/>
+            <a:p>
+              <a:pPr algn="ctr"/>
+              <a:endParaRPr lang="en-US"/>
+            </a:p>
+          </p:txBody>
+        </p:sp>
+        <p:sp>
+          <p:nvSpPr>
+            <p:cNvPr id="21" name="Rectangle 20"/>
+            <p:cNvSpPr/>
+            <p:nvPr/>
+          </p:nvSpPr>
+          <p:spPr>
+            <a:xfrm>
+              <a:off x="2389909" y="2431473"/>
+              <a:ext cx="987136" cy="374072"/>
+            </a:xfrm>
+            <a:prstGeom prst="rect">
+              <a:avLst/>
+            </a:prstGeom>
+            <a:noFill/>
+            <a:ln w="25400">
+              <a:solidFill>
+                <a:schemeClr val="tx1"/>
+              </a:solidFill>
+            </a:ln>
+          </p:spPr>
+          <p:style>
+            <a:lnRef idx="2">
+              <a:schemeClr val="accent1">
+                <a:shade val="50000"/>
+              </a:schemeClr>
+            </a:lnRef>
+            <a:fillRef idx="1">
+              <a:schemeClr val="accent1"/>
+            </a:fillRef>
+            <a:effectRef idx="0">
+              <a:schemeClr val="accent1"/>
+            </a:effectRef>
+            <a:fontRef idx="minor">
+              <a:schemeClr val="lt1"/>
+            </a:fontRef>
+          </p:style>
+          <p:txBody>
+            <a:bodyPr rtlCol="0" anchor="ctr"/>
+            <a:lstStyle/>
+            <a:p>
+              <a:pPr algn="ctr"/>
+              <a:endParaRPr lang="en-US"/>
+            </a:p>
+          </p:txBody>
+        </p:sp>
+        <p:cxnSp>
+          <p:nvCxnSpPr>
+            <p:cNvPr id="22" name="Straight Connector 21"/>
+            <p:cNvCxnSpPr/>
+            <p:nvPr/>
+          </p:nvCxnSpPr>
+          <p:spPr>
+            <a:xfrm>
+              <a:off x="2640330" y="2431473"/>
+              <a:ext cx="0" cy="374072"/>
+            </a:xfrm>
+            <a:prstGeom prst="line">
+              <a:avLst/>
+            </a:prstGeom>
+            <a:ln w="25400">
+              <a:solidFill>
+                <a:schemeClr val="tx1"/>
+              </a:solidFill>
+            </a:ln>
+          </p:spPr>
+          <p:style>
+            <a:lnRef idx="1">
+              <a:schemeClr val="accent1"/>
+            </a:lnRef>
+            <a:fillRef idx="0">
+              <a:schemeClr val="accent1"/>
+            </a:fillRef>
+            <a:effectRef idx="0">
+              <a:schemeClr val="accent1"/>
+            </a:effectRef>
+            <a:fontRef idx="minor">
+              <a:schemeClr val="tx1"/>
+            </a:fontRef>
+          </p:style>
+        </p:cxnSp>
+        <p:cxnSp>
+          <p:nvCxnSpPr>
+            <p:cNvPr id="23" name="Straight Connector 22"/>
+            <p:cNvCxnSpPr/>
+            <p:nvPr/>
+          </p:nvCxnSpPr>
+          <p:spPr>
+            <a:xfrm>
+              <a:off x="2884170" y="2423853"/>
+              <a:ext cx="0" cy="374072"/>
+            </a:xfrm>
+            <a:prstGeom prst="line">
+              <a:avLst/>
+            </a:prstGeom>
+            <a:ln w="25400">
+              <a:solidFill>
+                <a:schemeClr val="tx1"/>
+              </a:solidFill>
+            </a:ln>
+          </p:spPr>
+          <p:style>
+            <a:lnRef idx="1">
+              <a:schemeClr val="accent1"/>
+            </a:lnRef>
+            <a:fillRef idx="0">
+              <a:schemeClr val="accent1"/>
+            </a:fillRef>
+            <a:effectRef idx="0">
+              <a:schemeClr val="accent1"/>
+            </a:effectRef>
+            <a:fontRef idx="minor">
+              <a:schemeClr val="tx1"/>
+            </a:fontRef>
+          </p:style>
+        </p:cxnSp>
+        <p:cxnSp>
+          <p:nvCxnSpPr>
+            <p:cNvPr id="24" name="Straight Connector 23"/>
+            <p:cNvCxnSpPr/>
+            <p:nvPr/>
+          </p:nvCxnSpPr>
+          <p:spPr>
+            <a:xfrm>
+              <a:off x="3124200" y="2435283"/>
+              <a:ext cx="0" cy="374072"/>
+            </a:xfrm>
+            <a:prstGeom prst="line">
+              <a:avLst/>
+            </a:prstGeom>
+            <a:ln w="25400">
+              <a:solidFill>
+                <a:schemeClr val="tx1"/>
+              </a:solidFill>
+            </a:ln>
+          </p:spPr>
+          <p:style>
+            <a:lnRef idx="1">
+              <a:schemeClr val="accent1"/>
+            </a:lnRef>
+            <a:fillRef idx="0">
+              <a:schemeClr val="accent1"/>
+            </a:fillRef>
+            <a:effectRef idx="0">
+              <a:schemeClr val="accent1"/>
+            </a:effectRef>
+            <a:fontRef idx="minor">
+              <a:schemeClr val="tx1"/>
+            </a:fontRef>
+          </p:style>
+        </p:cxnSp>
+      </p:grpSp>
+      <p:sp>
+        <p:nvSpPr>
+          <p:cNvPr id="25" name="TextBox 24"/>
+          <p:cNvSpPr txBox="1"/>
+          <p:nvPr/>
+        </p:nvSpPr>
+        <p:spPr>
+          <a:xfrm>
+            <a:off x="1298922" y="4304597"/>
+            <a:ext cx="465192" cy="769441"/>
+          </a:xfrm>
+          <a:prstGeom prst="rect">
+            <a:avLst/>
+          </a:prstGeom>
+          <a:noFill/>
+        </p:spPr>
+        <p:txBody>
+          <a:bodyPr wrap="none" rtlCol="0">
+            <a:spAutoFit/>
+          </a:bodyPr>
+          <a:lstStyle/>
+          <a:p>
+            <a:r>
+              <a:rPr lang="en-US" sz="4400" dirty="0" smtClean="0"/>
+              <a:t>e</a:t>
+            </a:r>
+            <a:endParaRPr lang="en-US" sz="4400" dirty="0"/>
+          </a:p>
+        </p:txBody>
+      </p:sp>
+      <p:sp>
+        <p:nvSpPr>
+          <p:cNvPr id="26" name="TextBox 25"/>
+          <p:cNvSpPr txBox="1"/>
+          <p:nvPr/>
+        </p:nvSpPr>
+        <p:spPr>
+          <a:xfrm>
+            <a:off x="6222176" y="4240107"/>
+            <a:ext cx="356188" cy="769441"/>
+          </a:xfrm>
+          <a:prstGeom prst="rect">
+            <a:avLst/>
+          </a:prstGeom>
+          <a:noFill/>
+        </p:spPr>
+        <p:txBody>
+          <a:bodyPr wrap="none" rtlCol="0">
+            <a:spAutoFit/>
+          </a:bodyPr>
+          <a:lstStyle/>
+          <a:p>
+            <a:r>
+              <a:rPr lang="en-US" sz="4400" dirty="0" smtClean="0"/>
+              <a:t>f</a:t>
+            </a:r>
+            <a:endParaRPr lang="en-US" sz="4400" dirty="0"/>
+          </a:p>
+        </p:txBody>
+      </p:sp>
+      <p:sp>
+        <p:nvSpPr>
+          <p:cNvPr id="27" name="TextBox 26"/>
+          <p:cNvSpPr txBox="1"/>
+          <p:nvPr/>
+        </p:nvSpPr>
+        <p:spPr>
+          <a:xfrm>
+            <a:off x="3506797" y="5356558"/>
+            <a:ext cx="463588" cy="769441"/>
+          </a:xfrm>
+          <a:prstGeom prst="rect">
+            <a:avLst/>
+          </a:prstGeom>
+          <a:noFill/>
+        </p:spPr>
+        <p:txBody>
+          <a:bodyPr wrap="none" rtlCol="0">
+            <a:spAutoFit/>
+          </a:bodyPr>
+          <a:lstStyle/>
+          <a:p>
+            <a:r>
+              <a:rPr lang="en-US" sz="4400" dirty="0" smtClean="0"/>
+              <a:t>g</a:t>
+            </a:r>
+            <a:endParaRPr lang="en-US" sz="4400" dirty="0"/>
           </a:p>
         </p:txBody>
       </p:sp>
@@ -3694,6 +4679,147 @@
   <p:clrMapOvr>
     <a:masterClrMapping/>
   </p:clrMapOvr>
+  <p:timing>
+    <p:tnLst>
+      <p:par>
+        <p:cTn id="1" dur="indefinite" restart="never" nodeType="tmRoot">
+          <p:childTnLst>
+            <p:seq concurrent="1" nextAc="seek">
+              <p:cTn id="2" dur="indefinite" nodeType="mainSeq">
+                <p:childTnLst>
+                  <p:par>
+                    <p:cTn id="3" fill="hold">
+                      <p:stCondLst>
+                        <p:cond delay="indefinite"/>
+                      </p:stCondLst>
+                      <p:childTnLst>
+                        <p:par>
+                          <p:cTn id="4" fill="hold">
+                            <p:stCondLst>
+                              <p:cond delay="0"/>
+                            </p:stCondLst>
+                            <p:childTnLst>
+                              <p:par>
+                                <p:cTn id="5" presetID="1" presetClass="entr" presetSubtype="0" fill="hold" nodeType="clickEffect">
+                                  <p:stCondLst>
+                                    <p:cond delay="0"/>
+                                  </p:stCondLst>
+                                  <p:childTnLst>
+                                    <p:set>
+                                      <p:cBhvr>
+                                        <p:cTn id="6" dur="1" fill="hold">
+                                          <p:stCondLst>
+                                            <p:cond delay="0"/>
+                                          </p:stCondLst>
+                                        </p:cTn>
+                                        <p:tgtEl>
+                                          <p:spTgt spid="3">
+                                            <p:txEl>
+                                              <p:pRg st="1" end="1"/>
+                                            </p:txEl>
+                                          </p:spTgt>
+                                        </p:tgtEl>
+                                        <p:attrNameLst>
+                                          <p:attrName>style.visibility</p:attrName>
+                                        </p:attrNameLst>
+                                      </p:cBhvr>
+                                      <p:to>
+                                        <p:strVal val="visible"/>
+                                      </p:to>
+                                    </p:set>
+                                  </p:childTnLst>
+                                </p:cTn>
+                              </p:par>
+                              <p:par>
+                                <p:cTn id="7" presetID="1" presetClass="entr" presetSubtype="0" fill="hold" nodeType="withEffect">
+                                  <p:stCondLst>
+                                    <p:cond delay="0"/>
+                                  </p:stCondLst>
+                                  <p:childTnLst>
+                                    <p:set>
+                                      <p:cBhvr>
+                                        <p:cTn id="8" dur="1" fill="hold">
+                                          <p:stCondLst>
+                                            <p:cond delay="0"/>
+                                          </p:stCondLst>
+                                        </p:cTn>
+                                        <p:tgtEl>
+                                          <p:spTgt spid="3">
+                                            <p:txEl>
+                                              <p:pRg st="2" end="2"/>
+                                            </p:txEl>
+                                          </p:spTgt>
+                                        </p:tgtEl>
+                                        <p:attrNameLst>
+                                          <p:attrName>style.visibility</p:attrName>
+                                        </p:attrNameLst>
+                                      </p:cBhvr>
+                                      <p:to>
+                                        <p:strVal val="visible"/>
+                                      </p:to>
+                                    </p:set>
+                                  </p:childTnLst>
+                                </p:cTn>
+                              </p:par>
+                              <p:par>
+                                <p:cTn id="9" presetID="1" presetClass="entr" presetSubtype="0" fill="hold" nodeType="withEffect">
+                                  <p:stCondLst>
+                                    <p:cond delay="0"/>
+                                  </p:stCondLst>
+                                  <p:childTnLst>
+                                    <p:set>
+                                      <p:cBhvr>
+                                        <p:cTn id="10" dur="1" fill="hold">
+                                          <p:stCondLst>
+                                            <p:cond delay="0"/>
+                                          </p:stCondLst>
+                                        </p:cTn>
+                                        <p:tgtEl>
+                                          <p:spTgt spid="3">
+                                            <p:txEl>
+                                              <p:pRg st="3" end="3"/>
+                                            </p:txEl>
+                                          </p:spTgt>
+                                        </p:tgtEl>
+                                        <p:attrNameLst>
+                                          <p:attrName>style.visibility</p:attrName>
+                                        </p:attrNameLst>
+                                      </p:cBhvr>
+                                      <p:to>
+                                        <p:strVal val="visible"/>
+                                      </p:to>
+                                    </p:set>
+                                  </p:childTnLst>
+                                </p:cTn>
+                              </p:par>
+                            </p:childTnLst>
+                          </p:cTn>
+                        </p:par>
+                      </p:childTnLst>
+                    </p:cTn>
+                  </p:par>
+                </p:childTnLst>
+              </p:cTn>
+              <p:prevCondLst>
+                <p:cond evt="onPrev" delay="0">
+                  <p:tgtEl>
+                    <p:sldTgt/>
+                  </p:tgtEl>
+                </p:cond>
+              </p:prevCondLst>
+              <p:nextCondLst>
+                <p:cond evt="onNext" delay="0">
+                  <p:tgtEl>
+                    <p:sldTgt/>
+                  </p:tgtEl>
+                </p:cond>
+              </p:nextCondLst>
+            </p:seq>
+          </p:childTnLst>
+        </p:cTn>
+      </p:par>
+    </p:tnLst>
+  </p:timing>
 </p:sld>
 </file>
 
@@ -3731,28 +4857,9 @@
           <a:p>
             <a:r>
               <a:rPr lang="en-US" dirty="0" smtClean="0"/>
-              <a:t>Tutorial Outline</a:t>
+              <a:t>Client-Server Example</a:t>
             </a:r>
             <a:endParaRPr lang="en-US" dirty="0"/>
-          </a:p>
-        </p:txBody>
-      </p:sp>
-      <p:sp>
-        <p:nvSpPr>
-          <p:cNvPr id="3" name="Content Placeholder 2"/>
-          <p:cNvSpPr>
-            <a:spLocks noGrp="1"/>
-          </p:cNvSpPr>
-          <p:nvPr>
-            <p:ph idx="1"/>
-          </p:nvPr>
-        </p:nvSpPr>
-        <p:spPr/>
-        <p:txBody>
-          <a:bodyPr/>
-          <a:lstStyle/>
-          <a:p>
-            <a:endParaRPr lang="en-US"/>
           </a:p>
         </p:txBody>
       </p:sp>
@@ -3823,6 +4930,138 @@
               <a:t>3</a:t>
             </a:fld>
             <a:endParaRPr lang="en-US" dirty="0"/>
+          </a:p>
+        </p:txBody>
+      </p:sp>
+      <p:sp>
+        <p:nvSpPr>
+          <p:cNvPr id="7" name="Oval 6"/>
+          <p:cNvSpPr/>
+          <p:nvPr/>
+        </p:nvSpPr>
+        <p:spPr>
+          <a:xfrm>
+            <a:off x="948948" y="3191320"/>
+            <a:ext cx="1408176" cy="1344168"/>
+          </a:xfrm>
+          <a:prstGeom prst="ellipse">
+            <a:avLst/>
+          </a:prstGeom>
+        </p:spPr>
+        <p:style>
+          <a:lnRef idx="2">
+            <a:schemeClr val="accent1">
+              <a:shade val="50000"/>
+            </a:schemeClr>
+          </a:lnRef>
+          <a:fillRef idx="1">
+            <a:schemeClr val="accent1"/>
+          </a:fillRef>
+          <a:effectRef idx="0">
+            <a:schemeClr val="accent1"/>
+          </a:effectRef>
+          <a:fontRef idx="minor">
+            <a:schemeClr val="lt1"/>
+          </a:fontRef>
+        </p:style>
+        <p:txBody>
+          <a:bodyPr rtlCol="0" anchor="ctr"/>
+          <a:lstStyle/>
+          <a:p>
+            <a:pPr algn="ctr"/>
+            <a:r>
+              <a:rPr lang="en-US" sz="2400" dirty="0" smtClean="0"/>
+              <a:t>Client</a:t>
+            </a:r>
+            <a:endParaRPr lang="en-US" sz="2400" dirty="0"/>
+          </a:p>
+        </p:txBody>
+      </p:sp>
+      <p:sp>
+        <p:nvSpPr>
+          <p:cNvPr id="8" name="Oval 7"/>
+          <p:cNvSpPr/>
+          <p:nvPr/>
+        </p:nvSpPr>
+        <p:spPr>
+          <a:xfrm>
+            <a:off x="3899412" y="3118422"/>
+            <a:ext cx="1493520" cy="1417065"/>
+          </a:xfrm>
+          <a:prstGeom prst="ellipse">
+            <a:avLst/>
+          </a:prstGeom>
+        </p:spPr>
+        <p:style>
+          <a:lnRef idx="2">
+            <a:schemeClr val="accent1">
+              <a:shade val="50000"/>
+            </a:schemeClr>
+          </a:lnRef>
+          <a:fillRef idx="1">
+            <a:schemeClr val="accent1"/>
+          </a:fillRef>
+          <a:effectRef idx="0">
+            <a:schemeClr val="accent1"/>
+          </a:effectRef>
+          <a:fontRef idx="minor">
+            <a:schemeClr val="lt1"/>
+          </a:fontRef>
+        </p:style>
+        <p:txBody>
+          <a:bodyPr rtlCol="0" anchor="ctr"/>
+          <a:lstStyle/>
+          <a:p>
+            <a:pPr algn="ctr"/>
+            <a:r>
+              <a:rPr lang="en-US" sz="2400" dirty="0" smtClean="0"/>
+              <a:t>Server</a:t>
+            </a:r>
+            <a:endParaRPr lang="en-US" sz="2400" dirty="0"/>
+          </a:p>
+        </p:txBody>
+      </p:sp>
+      <p:sp>
+        <p:nvSpPr>
+          <p:cNvPr id="9" name="Oval 8"/>
+          <p:cNvSpPr/>
+          <p:nvPr/>
+        </p:nvSpPr>
+        <p:spPr>
+          <a:xfrm>
+            <a:off x="6054348" y="3081975"/>
+            <a:ext cx="1493520" cy="1417065"/>
+          </a:xfrm>
+          <a:prstGeom prst="ellipse">
+            <a:avLst/>
+          </a:prstGeom>
+        </p:spPr>
+        <p:style>
+          <a:lnRef idx="2">
+            <a:schemeClr val="accent1">
+              <a:shade val="50000"/>
+            </a:schemeClr>
+          </a:lnRef>
+          <a:fillRef idx="1">
+            <a:schemeClr val="accent1"/>
+          </a:fillRef>
+          <a:effectRef idx="0">
+            <a:schemeClr val="accent1"/>
+          </a:effectRef>
+          <a:fontRef idx="minor">
+            <a:schemeClr val="lt1"/>
+          </a:fontRef>
+        </p:style>
+        <p:txBody>
+          <a:bodyPr rtlCol="0" anchor="ctr"/>
+          <a:lstStyle/>
+          <a:p>
+            <a:pPr algn="ctr"/>
+            <a:r>
+              <a:rPr lang="en-US" sz="2400" dirty="0" smtClean="0"/>
+              <a:t>Helper</a:t>
+            </a:r>
+            <a:endParaRPr lang="en-US" sz="2400" dirty="0"/>
           </a:p>
         </p:txBody>
       </p:sp>
@@ -3836,6 +5075,990 @@
   <p:clrMapOvr>
     <a:masterClrMapping/>
   </p:clrMapOvr>
+  <p:timing>
+    <p:tnLst>
+      <p:par>
+        <p:cTn id="1" dur="indefinite" restart="never" nodeType="tmRoot"/>
+      </p:par>
+    </p:tnLst>
+  </p:timing>
+</p:sld>
+</file>
+
+<file path=ppt/slides/slide4.xml><?xml version="1.0" encoding="utf-8"?>
+<p:sld xmlns:a="http://schemas.openxmlformats.org/drawingml/2006/main" xmlns:r="http://schemas.openxmlformats.org/officeDocument/2006/relationships" xmlns:p="http://schemas.openxmlformats.org/presentationml/2006/main">
+  <p:cSld>
+    <p:spTree>
+      <p:nvGrpSpPr>
+        <p:cNvPr id="1" name=""/>
+        <p:cNvGrpSpPr/>
+        <p:nvPr/>
+      </p:nvGrpSpPr>
+      <p:grpSpPr>
+        <a:xfrm>
+          <a:off x="0" y="0"/>
+          <a:ext cx="0" cy="0"/>
+          <a:chOff x="0" y="0"/>
+          <a:chExt cx="0" cy="0"/>
+        </a:xfrm>
+      </p:grpSpPr>
+      <p:sp>
+        <p:nvSpPr>
+          <p:cNvPr id="2" name="Title 1"/>
+          <p:cNvSpPr>
+            <a:spLocks noGrp="1"/>
+          </p:cNvSpPr>
+          <p:nvPr>
+            <p:ph type="title"/>
+          </p:nvPr>
+        </p:nvSpPr>
+        <p:spPr/>
+        <p:txBody>
+          <a:bodyPr/>
+          <a:lstStyle/>
+          <a:p>
+            <a:r>
+              <a:rPr lang="en-US" dirty="0" smtClean="0"/>
+              <a:t>P Demo</a:t>
+            </a:r>
+            <a:endParaRPr lang="en-US" dirty="0"/>
+          </a:p>
+        </p:txBody>
+      </p:sp>
+      <p:sp>
+        <p:nvSpPr>
+          <p:cNvPr id="3" name="Content Placeholder 2"/>
+          <p:cNvSpPr>
+            <a:spLocks noGrp="1"/>
+          </p:cNvSpPr>
+          <p:nvPr>
+            <p:ph idx="1"/>
+          </p:nvPr>
+        </p:nvSpPr>
+        <p:spPr/>
+        <p:txBody>
+          <a:bodyPr/>
+          <a:lstStyle/>
+          <a:p>
+            <a:endParaRPr lang="en-US"/>
+          </a:p>
+        </p:txBody>
+      </p:sp>
+      <p:sp>
+        <p:nvSpPr>
+          <p:cNvPr id="4" name="Date Placeholder 3"/>
+          <p:cNvSpPr>
+            <a:spLocks noGrp="1"/>
+          </p:cNvSpPr>
+          <p:nvPr>
+            <p:ph type="dt" sz="half" idx="10"/>
+          </p:nvPr>
+        </p:nvSpPr>
+        <p:spPr/>
+        <p:txBody>
+          <a:bodyPr/>
+          <a:lstStyle/>
+          <a:p>
+            <a:r>
+              <a:rPr lang="en-US" smtClean="0"/>
+              <a:t>PLDI 2019</a:t>
+            </a:r>
+            <a:endParaRPr lang="en-US" dirty="0"/>
+          </a:p>
+        </p:txBody>
+      </p:sp>
+      <p:sp>
+        <p:nvSpPr>
+          <p:cNvPr id="5" name="Footer Placeholder 4"/>
+          <p:cNvSpPr>
+            <a:spLocks noGrp="1"/>
+          </p:cNvSpPr>
+          <p:nvPr>
+            <p:ph type="ftr" sz="quarter" idx="11"/>
+          </p:nvPr>
+        </p:nvSpPr>
+        <p:spPr/>
+        <p:txBody>
+          <a:bodyPr/>
+          <a:lstStyle/>
+          <a:p>
+            <a:r>
+              <a:rPr lang="en-US" smtClean="0"/>
+              <a:t>Compositional Programming and Testing of Event-Driven Systems</a:t>
+            </a:r>
+            <a:endParaRPr lang="en-US" dirty="0"/>
+          </a:p>
+        </p:txBody>
+      </p:sp>
+      <p:sp>
+        <p:nvSpPr>
+          <p:cNvPr id="6" name="Slide Number Placeholder 5"/>
+          <p:cNvSpPr>
+            <a:spLocks noGrp="1"/>
+          </p:cNvSpPr>
+          <p:nvPr>
+            <p:ph type="sldNum" sz="quarter" idx="12"/>
+          </p:nvPr>
+        </p:nvSpPr>
+        <p:spPr/>
+        <p:txBody>
+          <a:bodyPr/>
+          <a:lstStyle/>
+          <a:p>
+            <a:fld id="{77CC721F-1D71-470D-9ADD-E53F1C9EB23A}" type="slidenum">
+              <a:rPr lang="en-US" smtClean="0"/>
+              <a:pPr/>
+              <a:t>4</a:t>
+            </a:fld>
+            <a:endParaRPr lang="en-US" dirty="0"/>
+          </a:p>
+        </p:txBody>
+      </p:sp>
+    </p:spTree>
+    <p:extLst>
+      <p:ext uri="{BB962C8B-B14F-4D97-AF65-F5344CB8AC3E}">
+        <p14:creationId xmlns:p14="http://schemas.microsoft.com/office/powerpoint/2010/main" val="1239336987"/>
+      </p:ext>
+    </p:extLst>
+  </p:cSld>
+  <p:clrMapOvr>
+    <a:masterClrMapping/>
+  </p:clrMapOvr>
+  <p:timing>
+    <p:tnLst>
+      <p:par>
+        <p:cTn id="1" dur="indefinite" restart="never" nodeType="tmRoot"/>
+      </p:par>
+    </p:tnLst>
+  </p:timing>
+</p:sld>
+</file>
+
+<file path=ppt/slides/slide5.xml><?xml version="1.0" encoding="utf-8"?>
+<p:sld xmlns:a="http://schemas.openxmlformats.org/drawingml/2006/main" xmlns:r="http://schemas.openxmlformats.org/officeDocument/2006/relationships" xmlns:p="http://schemas.openxmlformats.org/presentationml/2006/main">
+  <p:cSld>
+    <p:spTree>
+      <p:nvGrpSpPr>
+        <p:cNvPr id="1" name=""/>
+        <p:cNvGrpSpPr/>
+        <p:nvPr/>
+      </p:nvGrpSpPr>
+      <p:grpSpPr>
+        <a:xfrm>
+          <a:off x="0" y="0"/>
+          <a:ext cx="0" cy="0"/>
+          <a:chOff x="0" y="0"/>
+          <a:chExt cx="0" cy="0"/>
+        </a:xfrm>
+      </p:grpSpPr>
+      <p:sp>
+        <p:nvSpPr>
+          <p:cNvPr id="2" name="Title 1"/>
+          <p:cNvSpPr>
+            <a:spLocks noGrp="1"/>
+          </p:cNvSpPr>
+          <p:nvPr>
+            <p:ph type="title"/>
+          </p:nvPr>
+        </p:nvSpPr>
+        <p:spPr/>
+        <p:txBody>
+          <a:bodyPr>
+            <a:normAutofit fontScale="90000"/>
+          </a:bodyPr>
+          <a:lstStyle/>
+          <a:p>
+            <a:r>
+              <a:rPr lang="en-US" dirty="0" smtClean="0"/>
+              <a:t>P State Machines Control Flow</a:t>
+            </a:r>
+            <a:endParaRPr lang="en-US" dirty="0"/>
+          </a:p>
+        </p:txBody>
+      </p:sp>
+      <p:sp>
+        <p:nvSpPr>
+          <p:cNvPr id="3" name="Content Placeholder 2"/>
+          <p:cNvSpPr>
+            <a:spLocks noGrp="1"/>
+          </p:cNvSpPr>
+          <p:nvPr>
+            <p:ph idx="1"/>
+          </p:nvPr>
+        </p:nvSpPr>
+        <p:spPr/>
+        <p:txBody>
+          <a:bodyPr/>
+          <a:lstStyle/>
+          <a:p>
+            <a:endParaRPr lang="en-US"/>
+          </a:p>
+        </p:txBody>
+      </p:sp>
+      <p:sp>
+        <p:nvSpPr>
+          <p:cNvPr id="4" name="Date Placeholder 3"/>
+          <p:cNvSpPr>
+            <a:spLocks noGrp="1"/>
+          </p:cNvSpPr>
+          <p:nvPr>
+            <p:ph type="dt" sz="half" idx="10"/>
+          </p:nvPr>
+        </p:nvSpPr>
+        <p:spPr/>
+        <p:txBody>
+          <a:bodyPr/>
+          <a:lstStyle/>
+          <a:p>
+            <a:r>
+              <a:rPr lang="en-US" smtClean="0"/>
+              <a:t>PLDI 2019</a:t>
+            </a:r>
+            <a:endParaRPr lang="en-US" dirty="0"/>
+          </a:p>
+        </p:txBody>
+      </p:sp>
+      <p:sp>
+        <p:nvSpPr>
+          <p:cNvPr id="5" name="Footer Placeholder 4"/>
+          <p:cNvSpPr>
+            <a:spLocks noGrp="1"/>
+          </p:cNvSpPr>
+          <p:nvPr>
+            <p:ph type="ftr" sz="quarter" idx="11"/>
+          </p:nvPr>
+        </p:nvSpPr>
+        <p:spPr/>
+        <p:txBody>
+          <a:bodyPr/>
+          <a:lstStyle/>
+          <a:p>
+            <a:r>
+              <a:rPr lang="en-US" smtClean="0"/>
+              <a:t>Compositional Programming and Testing of Event-Driven Systems</a:t>
+            </a:r>
+            <a:endParaRPr lang="en-US" dirty="0"/>
+          </a:p>
+        </p:txBody>
+      </p:sp>
+      <p:sp>
+        <p:nvSpPr>
+          <p:cNvPr id="6" name="Slide Number Placeholder 5"/>
+          <p:cNvSpPr>
+            <a:spLocks noGrp="1"/>
+          </p:cNvSpPr>
+          <p:nvPr>
+            <p:ph type="sldNum" sz="quarter" idx="12"/>
+          </p:nvPr>
+        </p:nvSpPr>
+        <p:spPr/>
+        <p:txBody>
+          <a:bodyPr/>
+          <a:lstStyle/>
+          <a:p>
+            <a:fld id="{77CC721F-1D71-470D-9ADD-E53F1C9EB23A}" type="slidenum">
+              <a:rPr lang="en-US" smtClean="0"/>
+              <a:pPr/>
+              <a:t>5</a:t>
+            </a:fld>
+            <a:endParaRPr lang="en-US" dirty="0"/>
+          </a:p>
+        </p:txBody>
+      </p:sp>
+    </p:spTree>
+    <p:extLst>
+      <p:ext uri="{BB962C8B-B14F-4D97-AF65-F5344CB8AC3E}">
+        <p14:creationId xmlns:p14="http://schemas.microsoft.com/office/powerpoint/2010/main" val="479625753"/>
+      </p:ext>
+    </p:extLst>
+  </p:cSld>
+  <p:clrMapOvr>
+    <a:masterClrMapping/>
+  </p:clrMapOvr>
+  <p:timing>
+    <p:tnLst>
+      <p:par>
+        <p:cTn id="1" dur="indefinite" restart="never" nodeType="tmRoot"/>
+      </p:par>
+    </p:tnLst>
+  </p:timing>
+</p:sld>
+</file>
+
+<file path=ppt/slides/slide6.xml><?xml version="1.0" encoding="utf-8"?>
+<p:sld xmlns:a="http://schemas.openxmlformats.org/drawingml/2006/main" xmlns:r="http://schemas.openxmlformats.org/officeDocument/2006/relationships" xmlns:p="http://schemas.openxmlformats.org/presentationml/2006/main">
+  <p:cSld>
+    <p:spTree>
+      <p:nvGrpSpPr>
+        <p:cNvPr id="1" name=""/>
+        <p:cNvGrpSpPr/>
+        <p:nvPr/>
+      </p:nvGrpSpPr>
+      <p:grpSpPr>
+        <a:xfrm>
+          <a:off x="0" y="0"/>
+          <a:ext cx="0" cy="0"/>
+          <a:chOff x="0" y="0"/>
+          <a:chExt cx="0" cy="0"/>
+        </a:xfrm>
+      </p:grpSpPr>
+      <p:sp>
+        <p:nvSpPr>
+          <p:cNvPr id="2" name="Title 1"/>
+          <p:cNvSpPr>
+            <a:spLocks noGrp="1"/>
+          </p:cNvSpPr>
+          <p:nvPr>
+            <p:ph type="title"/>
+          </p:nvPr>
+        </p:nvSpPr>
+        <p:spPr/>
+        <p:txBody>
+          <a:bodyPr/>
+          <a:lstStyle/>
+          <a:p>
+            <a:r>
+              <a:rPr lang="en-US" dirty="0" smtClean="0"/>
+              <a:t>Defer and Ignore Events</a:t>
+            </a:r>
+            <a:endParaRPr lang="en-US" dirty="0"/>
+          </a:p>
+        </p:txBody>
+      </p:sp>
+      <p:sp>
+        <p:nvSpPr>
+          <p:cNvPr id="3" name="Content Placeholder 2"/>
+          <p:cNvSpPr>
+            <a:spLocks noGrp="1"/>
+          </p:cNvSpPr>
+          <p:nvPr>
+            <p:ph idx="1"/>
+          </p:nvPr>
+        </p:nvSpPr>
+        <p:spPr/>
+        <p:txBody>
+          <a:bodyPr/>
+          <a:lstStyle/>
+          <a:p>
+            <a:endParaRPr lang="en-US"/>
+          </a:p>
+        </p:txBody>
+      </p:sp>
+      <p:sp>
+        <p:nvSpPr>
+          <p:cNvPr id="4" name="Date Placeholder 3"/>
+          <p:cNvSpPr>
+            <a:spLocks noGrp="1"/>
+          </p:cNvSpPr>
+          <p:nvPr>
+            <p:ph type="dt" sz="half" idx="10"/>
+          </p:nvPr>
+        </p:nvSpPr>
+        <p:spPr/>
+        <p:txBody>
+          <a:bodyPr/>
+          <a:lstStyle/>
+          <a:p>
+            <a:r>
+              <a:rPr lang="en-US" smtClean="0"/>
+              <a:t>PLDI 2019</a:t>
+            </a:r>
+            <a:endParaRPr lang="en-US" dirty="0"/>
+          </a:p>
+        </p:txBody>
+      </p:sp>
+      <p:sp>
+        <p:nvSpPr>
+          <p:cNvPr id="5" name="Footer Placeholder 4"/>
+          <p:cNvSpPr>
+            <a:spLocks noGrp="1"/>
+          </p:cNvSpPr>
+          <p:nvPr>
+            <p:ph type="ftr" sz="quarter" idx="11"/>
+          </p:nvPr>
+        </p:nvSpPr>
+        <p:spPr/>
+        <p:txBody>
+          <a:bodyPr/>
+          <a:lstStyle/>
+          <a:p>
+            <a:r>
+              <a:rPr lang="en-US" smtClean="0"/>
+              <a:t>Compositional Programming and Testing of Event-Driven Systems</a:t>
+            </a:r>
+            <a:endParaRPr lang="en-US" dirty="0"/>
+          </a:p>
+        </p:txBody>
+      </p:sp>
+      <p:sp>
+        <p:nvSpPr>
+          <p:cNvPr id="6" name="Slide Number Placeholder 5"/>
+          <p:cNvSpPr>
+            <a:spLocks noGrp="1"/>
+          </p:cNvSpPr>
+          <p:nvPr>
+            <p:ph type="sldNum" sz="quarter" idx="12"/>
+          </p:nvPr>
+        </p:nvSpPr>
+        <p:spPr/>
+        <p:txBody>
+          <a:bodyPr/>
+          <a:lstStyle/>
+          <a:p>
+            <a:fld id="{77CC721F-1D71-470D-9ADD-E53F1C9EB23A}" type="slidenum">
+              <a:rPr lang="en-US" smtClean="0"/>
+              <a:pPr/>
+              <a:t>6</a:t>
+            </a:fld>
+            <a:endParaRPr lang="en-US" dirty="0"/>
+          </a:p>
+        </p:txBody>
+      </p:sp>
+    </p:spTree>
+    <p:extLst>
+      <p:ext uri="{BB962C8B-B14F-4D97-AF65-F5344CB8AC3E}">
+        <p14:creationId xmlns:p14="http://schemas.microsoft.com/office/powerpoint/2010/main" val="148822106"/>
+      </p:ext>
+    </p:extLst>
+  </p:cSld>
+  <p:clrMapOvr>
+    <a:masterClrMapping/>
+  </p:clrMapOvr>
+  <p:timing>
+    <p:tnLst>
+      <p:par>
+        <p:cTn id="1" dur="indefinite" restart="never" nodeType="tmRoot"/>
+      </p:par>
+    </p:tnLst>
+  </p:timing>
+</p:sld>
+</file>
+
+<file path=ppt/slides/slide7.xml><?xml version="1.0" encoding="utf-8"?>
+<p:sld xmlns:a="http://schemas.openxmlformats.org/drawingml/2006/main" xmlns:r="http://schemas.openxmlformats.org/officeDocument/2006/relationships" xmlns:p="http://schemas.openxmlformats.org/presentationml/2006/main">
+  <p:cSld>
+    <p:spTree>
+      <p:nvGrpSpPr>
+        <p:cNvPr id="1" name=""/>
+        <p:cNvGrpSpPr/>
+        <p:nvPr/>
+      </p:nvGrpSpPr>
+      <p:grpSpPr>
+        <a:xfrm>
+          <a:off x="0" y="0"/>
+          <a:ext cx="0" cy="0"/>
+          <a:chOff x="0" y="0"/>
+          <a:chExt cx="0" cy="0"/>
+        </a:xfrm>
+      </p:grpSpPr>
+      <p:sp>
+        <p:nvSpPr>
+          <p:cNvPr id="2" name="Title 1"/>
+          <p:cNvSpPr>
+            <a:spLocks noGrp="1"/>
+          </p:cNvSpPr>
+          <p:nvPr>
+            <p:ph type="title"/>
+          </p:nvPr>
+        </p:nvSpPr>
+        <p:spPr/>
+        <p:txBody>
+          <a:bodyPr/>
+          <a:lstStyle/>
+          <a:p>
+            <a:r>
+              <a:rPr lang="en-US" dirty="0" smtClean="0"/>
+              <a:t>Hierarchical State Machines</a:t>
+            </a:r>
+            <a:endParaRPr lang="en-US" dirty="0"/>
+          </a:p>
+        </p:txBody>
+      </p:sp>
+      <p:sp>
+        <p:nvSpPr>
+          <p:cNvPr id="3" name="Content Placeholder 2"/>
+          <p:cNvSpPr>
+            <a:spLocks noGrp="1"/>
+          </p:cNvSpPr>
+          <p:nvPr>
+            <p:ph idx="1"/>
+          </p:nvPr>
+        </p:nvSpPr>
+        <p:spPr/>
+        <p:txBody>
+          <a:bodyPr/>
+          <a:lstStyle/>
+          <a:p>
+            <a:endParaRPr lang="en-US"/>
+          </a:p>
+        </p:txBody>
+      </p:sp>
+      <p:sp>
+        <p:nvSpPr>
+          <p:cNvPr id="4" name="Date Placeholder 3"/>
+          <p:cNvSpPr>
+            <a:spLocks noGrp="1"/>
+          </p:cNvSpPr>
+          <p:nvPr>
+            <p:ph type="dt" sz="half" idx="10"/>
+          </p:nvPr>
+        </p:nvSpPr>
+        <p:spPr/>
+        <p:txBody>
+          <a:bodyPr/>
+          <a:lstStyle/>
+          <a:p>
+            <a:r>
+              <a:rPr lang="en-US" smtClean="0"/>
+              <a:t>PLDI 2019</a:t>
+            </a:r>
+            <a:endParaRPr lang="en-US" dirty="0"/>
+          </a:p>
+        </p:txBody>
+      </p:sp>
+      <p:sp>
+        <p:nvSpPr>
+          <p:cNvPr id="5" name="Footer Placeholder 4"/>
+          <p:cNvSpPr>
+            <a:spLocks noGrp="1"/>
+          </p:cNvSpPr>
+          <p:nvPr>
+            <p:ph type="ftr" sz="quarter" idx="11"/>
+          </p:nvPr>
+        </p:nvSpPr>
+        <p:spPr/>
+        <p:txBody>
+          <a:bodyPr/>
+          <a:lstStyle/>
+          <a:p>
+            <a:r>
+              <a:rPr lang="en-US" smtClean="0"/>
+              <a:t>Compositional Programming and Testing of Event-Driven Systems</a:t>
+            </a:r>
+            <a:endParaRPr lang="en-US" dirty="0"/>
+          </a:p>
+        </p:txBody>
+      </p:sp>
+      <p:sp>
+        <p:nvSpPr>
+          <p:cNvPr id="6" name="Slide Number Placeholder 5"/>
+          <p:cNvSpPr>
+            <a:spLocks noGrp="1"/>
+          </p:cNvSpPr>
+          <p:nvPr>
+            <p:ph type="sldNum" sz="quarter" idx="12"/>
+          </p:nvPr>
+        </p:nvSpPr>
+        <p:spPr/>
+        <p:txBody>
+          <a:bodyPr/>
+          <a:lstStyle/>
+          <a:p>
+            <a:fld id="{77CC721F-1D71-470D-9ADD-E53F1C9EB23A}" type="slidenum">
+              <a:rPr lang="en-US" smtClean="0"/>
+              <a:pPr/>
+              <a:t>7</a:t>
+            </a:fld>
+            <a:endParaRPr lang="en-US" dirty="0"/>
+          </a:p>
+        </p:txBody>
+      </p:sp>
+    </p:spTree>
+    <p:extLst>
+      <p:ext uri="{BB962C8B-B14F-4D97-AF65-F5344CB8AC3E}">
+        <p14:creationId xmlns:p14="http://schemas.microsoft.com/office/powerpoint/2010/main" val="1782139082"/>
+      </p:ext>
+    </p:extLst>
+  </p:cSld>
+  <p:clrMapOvr>
+    <a:masterClrMapping/>
+  </p:clrMapOvr>
+  <p:timing>
+    <p:tnLst>
+      <p:par>
+        <p:cTn id="1" dur="indefinite" restart="never" nodeType="tmRoot"/>
+      </p:par>
+    </p:tnLst>
+  </p:timing>
+</p:sld>
+</file>
+
+<file path=ppt/slides/slide8.xml><?xml version="1.0" encoding="utf-8"?>
+<p:sld xmlns:a="http://schemas.openxmlformats.org/drawingml/2006/main" xmlns:r="http://schemas.openxmlformats.org/officeDocument/2006/relationships" xmlns:p="http://schemas.openxmlformats.org/presentationml/2006/main">
+  <p:cSld>
+    <p:spTree>
+      <p:nvGrpSpPr>
+        <p:cNvPr id="1" name=""/>
+        <p:cNvGrpSpPr/>
+        <p:nvPr/>
+      </p:nvGrpSpPr>
+      <p:grpSpPr>
+        <a:xfrm>
+          <a:off x="0" y="0"/>
+          <a:ext cx="0" cy="0"/>
+          <a:chOff x="0" y="0"/>
+          <a:chExt cx="0" cy="0"/>
+        </a:xfrm>
+      </p:grpSpPr>
+      <p:sp>
+        <p:nvSpPr>
+          <p:cNvPr id="2" name="Title 1"/>
+          <p:cNvSpPr>
+            <a:spLocks noGrp="1"/>
+          </p:cNvSpPr>
+          <p:nvPr>
+            <p:ph type="title"/>
+          </p:nvPr>
+        </p:nvSpPr>
+        <p:spPr/>
+        <p:txBody>
+          <a:bodyPr/>
+          <a:lstStyle/>
+          <a:p>
+            <a:r>
+              <a:rPr lang="en-US" dirty="0" smtClean="0"/>
+              <a:t>Specifications </a:t>
+            </a:r>
+            <a:endParaRPr lang="en-US" dirty="0"/>
+          </a:p>
+        </p:txBody>
+      </p:sp>
+      <p:sp>
+        <p:nvSpPr>
+          <p:cNvPr id="3" name="Content Placeholder 2"/>
+          <p:cNvSpPr>
+            <a:spLocks noGrp="1"/>
+          </p:cNvSpPr>
+          <p:nvPr>
+            <p:ph idx="1"/>
+          </p:nvPr>
+        </p:nvSpPr>
+        <p:spPr/>
+        <p:txBody>
+          <a:bodyPr/>
+          <a:lstStyle/>
+          <a:p>
+            <a:r>
+              <a:rPr lang="en-US" dirty="0"/>
+              <a:t>Default specifications</a:t>
+            </a:r>
+          </a:p>
+          <a:p>
+            <a:pPr lvl="1"/>
+            <a:r>
+              <a:rPr lang="en-US" dirty="0"/>
+              <a:t>Safety: every </a:t>
+            </a:r>
+            <a:r>
+              <a:rPr lang="en-US" dirty="0" err="1"/>
+              <a:t>dequeued</a:t>
+            </a:r>
+            <a:r>
+              <a:rPr lang="en-US" dirty="0"/>
+              <a:t> event is handled</a:t>
+            </a:r>
+          </a:p>
+          <a:p>
+            <a:pPr lvl="1"/>
+            <a:r>
+              <a:rPr lang="en-US" dirty="0"/>
+              <a:t>Liveness: every </a:t>
+            </a:r>
+            <a:r>
+              <a:rPr lang="en-US" dirty="0" err="1"/>
+              <a:t>enqueued</a:t>
+            </a:r>
+            <a:r>
+              <a:rPr lang="en-US" dirty="0"/>
+              <a:t> event is eventually </a:t>
+            </a:r>
+            <a:r>
+              <a:rPr lang="en-US" dirty="0" err="1"/>
+              <a:t>dequeued</a:t>
+            </a:r>
+            <a:r>
+              <a:rPr lang="en-US" dirty="0"/>
+              <a:t> under fair scheduling</a:t>
+            </a:r>
+          </a:p>
+          <a:p>
+            <a:endParaRPr lang="en-US" dirty="0"/>
+          </a:p>
+          <a:p>
+            <a:r>
+              <a:rPr lang="en-US" dirty="0"/>
+              <a:t>Bounds </a:t>
+            </a:r>
+          </a:p>
+          <a:p>
+            <a:pPr lvl="1"/>
+            <a:r>
+              <a:rPr lang="en-US" dirty="0"/>
+              <a:t>maximum queue size for machine types</a:t>
+            </a:r>
+          </a:p>
+          <a:p>
+            <a:pPr lvl="1"/>
+            <a:r>
+              <a:rPr lang="en-US" dirty="0"/>
+              <a:t>maximum number of instances for event types</a:t>
+            </a:r>
+          </a:p>
+          <a:p>
+            <a:endParaRPr lang="en-US" dirty="0"/>
+          </a:p>
+          <a:p>
+            <a:r>
+              <a:rPr lang="en-US" dirty="0" smtClean="0"/>
+              <a:t>Local Assertions</a:t>
+            </a:r>
+            <a:endParaRPr lang="en-US" dirty="0"/>
+          </a:p>
+          <a:p>
+            <a:endParaRPr lang="en-US" dirty="0"/>
+          </a:p>
+        </p:txBody>
+      </p:sp>
+      <p:sp>
+        <p:nvSpPr>
+          <p:cNvPr id="4" name="Date Placeholder 3"/>
+          <p:cNvSpPr>
+            <a:spLocks noGrp="1"/>
+          </p:cNvSpPr>
+          <p:nvPr>
+            <p:ph type="dt" sz="half" idx="10"/>
+          </p:nvPr>
+        </p:nvSpPr>
+        <p:spPr/>
+        <p:txBody>
+          <a:bodyPr/>
+          <a:lstStyle/>
+          <a:p>
+            <a:r>
+              <a:rPr lang="en-US" smtClean="0"/>
+              <a:t>PLDI 2019</a:t>
+            </a:r>
+            <a:endParaRPr lang="en-US" dirty="0"/>
+          </a:p>
+        </p:txBody>
+      </p:sp>
+      <p:sp>
+        <p:nvSpPr>
+          <p:cNvPr id="5" name="Footer Placeholder 4"/>
+          <p:cNvSpPr>
+            <a:spLocks noGrp="1"/>
+          </p:cNvSpPr>
+          <p:nvPr>
+            <p:ph type="ftr" sz="quarter" idx="11"/>
+          </p:nvPr>
+        </p:nvSpPr>
+        <p:spPr/>
+        <p:txBody>
+          <a:bodyPr/>
+          <a:lstStyle/>
+          <a:p>
+            <a:r>
+              <a:rPr lang="en-US" smtClean="0"/>
+              <a:t>Compositional Programming and Testing of Event-Driven Systems</a:t>
+            </a:r>
+            <a:endParaRPr lang="en-US" dirty="0"/>
+          </a:p>
+        </p:txBody>
+      </p:sp>
+      <p:sp>
+        <p:nvSpPr>
+          <p:cNvPr id="6" name="Slide Number Placeholder 5"/>
+          <p:cNvSpPr>
+            <a:spLocks noGrp="1"/>
+          </p:cNvSpPr>
+          <p:nvPr>
+            <p:ph type="sldNum" sz="quarter" idx="12"/>
+          </p:nvPr>
+        </p:nvSpPr>
+        <p:spPr/>
+        <p:txBody>
+          <a:bodyPr/>
+          <a:lstStyle/>
+          <a:p>
+            <a:fld id="{77CC721F-1D71-470D-9ADD-E53F1C9EB23A}" type="slidenum">
+              <a:rPr lang="en-US" smtClean="0"/>
+              <a:pPr/>
+              <a:t>8</a:t>
+            </a:fld>
+            <a:endParaRPr lang="en-US" dirty="0"/>
+          </a:p>
+        </p:txBody>
+      </p:sp>
+    </p:spTree>
+    <p:extLst>
+      <p:ext uri="{BB962C8B-B14F-4D97-AF65-F5344CB8AC3E}">
+        <p14:creationId xmlns:p14="http://schemas.microsoft.com/office/powerpoint/2010/main" val="3538222150"/>
+      </p:ext>
+    </p:extLst>
+  </p:cSld>
+  <p:clrMapOvr>
+    <a:masterClrMapping/>
+  </p:clrMapOvr>
+  <p:timing>
+    <p:tnLst>
+      <p:par>
+        <p:cTn id="1" dur="indefinite" restart="never" nodeType="tmRoot"/>
+      </p:par>
+    </p:tnLst>
+  </p:timing>
+</p:sld>
+</file>
+
+<file path=ppt/slides/slide9.xml><?xml version="1.0" encoding="utf-8"?>
+<p:sld xmlns:a="http://schemas.openxmlformats.org/drawingml/2006/main" xmlns:r="http://schemas.openxmlformats.org/officeDocument/2006/relationships" xmlns:p="http://schemas.openxmlformats.org/presentationml/2006/main">
+  <p:cSld>
+    <p:spTree>
+      <p:nvGrpSpPr>
+        <p:cNvPr id="1" name=""/>
+        <p:cNvGrpSpPr/>
+        <p:nvPr/>
+      </p:nvGrpSpPr>
+      <p:grpSpPr>
+        <a:xfrm>
+          <a:off x="0" y="0"/>
+          <a:ext cx="0" cy="0"/>
+          <a:chOff x="0" y="0"/>
+          <a:chExt cx="0" cy="0"/>
+        </a:xfrm>
+      </p:grpSpPr>
+      <p:sp>
+        <p:nvSpPr>
+          <p:cNvPr id="2" name="Title 1"/>
+          <p:cNvSpPr>
+            <a:spLocks noGrp="1"/>
+          </p:cNvSpPr>
+          <p:nvPr>
+            <p:ph type="title"/>
+          </p:nvPr>
+        </p:nvSpPr>
+        <p:spPr/>
+        <p:txBody>
+          <a:bodyPr/>
+          <a:lstStyle/>
+          <a:p>
+            <a:r>
+              <a:rPr lang="en-US" dirty="0" smtClean="0"/>
+              <a:t>Safety Monitors</a:t>
+            </a:r>
+            <a:endParaRPr lang="en-US" dirty="0"/>
+          </a:p>
+        </p:txBody>
+      </p:sp>
+      <p:sp>
+        <p:nvSpPr>
+          <p:cNvPr id="3" name="Content Placeholder 2"/>
+          <p:cNvSpPr>
+            <a:spLocks noGrp="1"/>
+          </p:cNvSpPr>
+          <p:nvPr>
+            <p:ph idx="1"/>
+          </p:nvPr>
+        </p:nvSpPr>
+        <p:spPr/>
+        <p:txBody>
+          <a:bodyPr/>
+          <a:lstStyle/>
+          <a:p>
+            <a:r>
+              <a:rPr lang="en-US" dirty="0" smtClean="0"/>
+              <a:t>Monitors and announce</a:t>
+            </a:r>
+            <a:endParaRPr lang="en-US" dirty="0"/>
+          </a:p>
+        </p:txBody>
+      </p:sp>
+      <p:sp>
+        <p:nvSpPr>
+          <p:cNvPr id="4" name="Date Placeholder 3"/>
+          <p:cNvSpPr>
+            <a:spLocks noGrp="1"/>
+          </p:cNvSpPr>
+          <p:nvPr>
+            <p:ph type="dt" sz="half" idx="10"/>
+          </p:nvPr>
+        </p:nvSpPr>
+        <p:spPr/>
+        <p:txBody>
+          <a:bodyPr/>
+          <a:lstStyle/>
+          <a:p>
+            <a:r>
+              <a:rPr lang="en-US" smtClean="0"/>
+              <a:t>PLDI 2019</a:t>
+            </a:r>
+            <a:endParaRPr lang="en-US" dirty="0"/>
+          </a:p>
+        </p:txBody>
+      </p:sp>
+      <p:sp>
+        <p:nvSpPr>
+          <p:cNvPr id="5" name="Footer Placeholder 4"/>
+          <p:cNvSpPr>
+            <a:spLocks noGrp="1"/>
+          </p:cNvSpPr>
+          <p:nvPr>
+            <p:ph type="ftr" sz="quarter" idx="11"/>
+          </p:nvPr>
+        </p:nvSpPr>
+        <p:spPr/>
+        <p:txBody>
+          <a:bodyPr/>
+          <a:lstStyle/>
+          <a:p>
+            <a:r>
+              <a:rPr lang="en-US" smtClean="0"/>
+              <a:t>Compositional Programming and Testing of Event-Driven Systems</a:t>
+            </a:r>
+            <a:endParaRPr lang="en-US" dirty="0"/>
+          </a:p>
+        </p:txBody>
+      </p:sp>
+      <p:sp>
+        <p:nvSpPr>
+          <p:cNvPr id="6" name="Slide Number Placeholder 5"/>
+          <p:cNvSpPr>
+            <a:spLocks noGrp="1"/>
+          </p:cNvSpPr>
+          <p:nvPr>
+            <p:ph type="sldNum" sz="quarter" idx="12"/>
+          </p:nvPr>
+        </p:nvSpPr>
+        <p:spPr/>
+        <p:txBody>
+          <a:bodyPr/>
+          <a:lstStyle/>
+          <a:p>
+            <a:fld id="{77CC721F-1D71-470D-9ADD-E53F1C9EB23A}" type="slidenum">
+              <a:rPr lang="en-US" smtClean="0"/>
+              <a:pPr/>
+              <a:t>9</a:t>
+            </a:fld>
+            <a:endParaRPr lang="en-US" dirty="0"/>
+          </a:p>
+        </p:txBody>
+      </p:sp>
+    </p:spTree>
+    <p:extLst>
+      <p:ext uri="{BB962C8B-B14F-4D97-AF65-F5344CB8AC3E}">
+        <p14:creationId xmlns:p14="http://schemas.microsoft.com/office/powerpoint/2010/main" val="3427276350"/>
+      </p:ext>
+    </p:extLst>
+  </p:cSld>
+  <p:clrMapOvr>
+    <a:masterClrMapping/>
+  </p:clrMapOvr>
+  <p:timing>
+    <p:tnLst>
+      <p:par>
+        <p:cTn id="1" dur="indefinite" restart="never" nodeType="tmRoot"/>
+      </p:par>
+    </p:tnLst>
+  </p:timing>
 </p:sld>
 </file>
 

--- a/Presentations/2 - PLanguage.pptx
+++ b/Presentations/2 - PLanguage.pptx
@@ -3543,11 +3543,7 @@
           <a:p>
             <a:r>
               <a:rPr lang="en-US" dirty="0" smtClean="0"/>
-              <a:t>PLDI </a:t>
-            </a:r>
-            <a:r>
-              <a:rPr lang="en-US" dirty="0" smtClean="0"/>
-              <a:t>2019</a:t>
+              <a:t>PLDI 2019</a:t>
             </a:r>
             <a:endParaRPr lang="en-US" dirty="0"/>
           </a:p>
@@ -3824,11 +3820,7 @@
             </a:r>
             <a:r>
               <a:rPr lang="en-US" dirty="0" smtClean="0"/>
-              <a:t>. sending messages to each-others </a:t>
-            </a:r>
-            <a:r>
-              <a:rPr lang="en-US" dirty="0" smtClean="0"/>
-              <a:t> FIFO queue.</a:t>
+              <a:t>. sending messages to each-others  FIFO queue.</a:t>
             </a:r>
           </a:p>
           <a:p>
@@ -5735,87 +5727,89 @@
         </p:nvSpPr>
         <p:spPr/>
         <p:txBody>
-          <a:bodyPr/>
-          <a:lstStyle/>
-          <a:p>
-            <a:r>
-              <a:rPr lang="en-US" dirty="0"/>
+          <a:bodyPr>
+            <a:normAutofit/>
+          </a:bodyPr>
+          <a:lstStyle/>
+          <a:p>
+            <a:r>
+              <a:rPr lang="en-US" sz="2200" dirty="0"/>
               <a:t>Default specifications</a:t>
             </a:r>
           </a:p>
           <a:p>
             <a:pPr lvl="1"/>
             <a:r>
-              <a:rPr lang="en-US" dirty="0"/>
+              <a:rPr lang="en-US" sz="2200" dirty="0"/>
               <a:t>Safety: every </a:t>
             </a:r>
             <a:r>
-              <a:rPr lang="en-US" dirty="0" err="1"/>
+              <a:rPr lang="en-US" sz="2200" dirty="0" err="1"/>
               <a:t>dequeued</a:t>
             </a:r>
             <a:r>
-              <a:rPr lang="en-US" dirty="0"/>
+              <a:rPr lang="en-US" sz="2200" dirty="0"/>
               <a:t> event is handled</a:t>
             </a:r>
           </a:p>
           <a:p>
             <a:pPr lvl="1"/>
             <a:r>
-              <a:rPr lang="en-US" dirty="0"/>
+              <a:rPr lang="en-US" sz="2200" dirty="0"/>
               <a:t>Liveness: every </a:t>
             </a:r>
             <a:r>
-              <a:rPr lang="en-US" dirty="0" err="1"/>
+              <a:rPr lang="en-US" sz="2200" dirty="0" err="1"/>
               <a:t>enqueued</a:t>
             </a:r>
             <a:r>
-              <a:rPr lang="en-US" dirty="0"/>
+              <a:rPr lang="en-US" sz="2200" dirty="0"/>
               <a:t> event is eventually </a:t>
             </a:r>
             <a:r>
-              <a:rPr lang="en-US" dirty="0" err="1"/>
+              <a:rPr lang="en-US" sz="2200" dirty="0" err="1"/>
               <a:t>dequeued</a:t>
             </a:r>
             <a:r>
-              <a:rPr lang="en-US" dirty="0"/>
+              <a:rPr lang="en-US" sz="2200" dirty="0"/>
               <a:t> under fair scheduling</a:t>
             </a:r>
           </a:p>
           <a:p>
-            <a:endParaRPr lang="en-US" dirty="0"/>
-          </a:p>
-          <a:p>
-            <a:r>
-              <a:rPr lang="en-US" dirty="0"/>
+            <a:endParaRPr lang="en-US" sz="2200" dirty="0"/>
+          </a:p>
+          <a:p>
+            <a:r>
+              <a:rPr lang="en-US" sz="2200" dirty="0"/>
               <a:t>Bounds </a:t>
             </a:r>
           </a:p>
           <a:p>
             <a:pPr lvl="1"/>
             <a:r>
-              <a:rPr lang="en-US" dirty="0"/>
+              <a:rPr lang="en-US" sz="2200" dirty="0"/>
               <a:t>maximum queue size for machine types</a:t>
             </a:r>
           </a:p>
           <a:p>
             <a:pPr lvl="1"/>
             <a:r>
-              <a:rPr lang="en-US" dirty="0"/>
+              <a:rPr lang="en-US" sz="2200" dirty="0"/>
               <a:t>maximum number of instances for event types</a:t>
             </a:r>
           </a:p>
           <a:p>
-            <a:endParaRPr lang="en-US" dirty="0"/>
-          </a:p>
-          <a:p>
-            <a:r>
-              <a:rPr lang="en-US" dirty="0" smtClean="0"/>
+            <a:endParaRPr lang="en-US" sz="2200" dirty="0"/>
+          </a:p>
+          <a:p>
+            <a:r>
+              <a:rPr lang="en-US" sz="2200" dirty="0" smtClean="0"/>
               <a:t>Local Assertions</a:t>
             </a:r>
-            <a:endParaRPr lang="en-US" dirty="0"/>
-          </a:p>
-          <a:p>
-            <a:endParaRPr lang="en-US" dirty="0"/>
+            <a:endParaRPr lang="en-US" sz="2200" dirty="0"/>
+          </a:p>
+          <a:p>
+            <a:endParaRPr lang="en-US" sz="2200" dirty="0"/>
           </a:p>
         </p:txBody>
       </p:sp>

--- a/Presentations/2 - PLanguage.pptx
+++ b/Presentations/2 - PLanguage.pptx
@@ -17,10 +17,10 @@
     <p:sldId id="260" r:id="rId5"/>
     <p:sldId id="259" r:id="rId6"/>
     <p:sldId id="265" r:id="rId7"/>
-    <p:sldId id="264" r:id="rId8"/>
-    <p:sldId id="261" r:id="rId9"/>
-    <p:sldId id="262" r:id="rId10"/>
-    <p:sldId id="263" r:id="rId11"/>
+    <p:sldId id="266" r:id="rId8"/>
+    <p:sldId id="264" r:id="rId9"/>
+    <p:sldId id="261" r:id="rId10"/>
+    <p:sldId id="262" r:id="rId11"/>
   </p:sldIdLst>
   <p:sldSz cx="9144000" cy="6858000" type="screen4x3"/>
   <p:notesSz cx="6858000" cy="9144000"/>
@@ -224,7 +224,7 @@
           <a:p>
             <a:fld id="{FC61A6FD-3ACD-4666-B601-2198EA538879}" type="datetimeFigureOut">
               <a:rPr lang="en-US" smtClean="0"/>
-              <a:t>6/21/2019</a:t>
+              <a:t>6/22/2019</a:t>
             </a:fld>
             <a:endParaRPr lang="en-US"/>
           </a:p>
@@ -402,7 +402,7 @@
           <a:p>
             <a:fld id="{37DF9D4D-9EA6-4037-AB5B-4AEE090FBDF0}" type="datetimeFigureOut">
               <a:rPr lang="en-US" smtClean="0"/>
-              <a:t>6/21/2019</a:t>
+              <a:t>6/22/2019</a:t>
             </a:fld>
             <a:endParaRPr lang="en-US"/>
           </a:p>
@@ -668,6 +668,103 @@
     </a:lvl9pPr>
   </p:notesStyle>
 </p:notesMaster>
+</file>
+
+<file path=ppt/notesSlides/notesSlide1.xml><?xml version="1.0" encoding="utf-8"?>
+<p:notes xmlns:a="http://schemas.openxmlformats.org/drawingml/2006/main" xmlns:r="http://schemas.openxmlformats.org/officeDocument/2006/relationships" xmlns:p="http://schemas.openxmlformats.org/presentationml/2006/main">
+  <p:cSld>
+    <p:spTree>
+      <p:nvGrpSpPr>
+        <p:cNvPr id="1" name=""/>
+        <p:cNvGrpSpPr/>
+        <p:nvPr/>
+      </p:nvGrpSpPr>
+      <p:grpSpPr>
+        <a:xfrm>
+          <a:off x="0" y="0"/>
+          <a:ext cx="0" cy="0"/>
+          <a:chOff x="0" y="0"/>
+          <a:chExt cx="0" cy="0"/>
+        </a:xfrm>
+      </p:grpSpPr>
+      <p:sp>
+        <p:nvSpPr>
+          <p:cNvPr id="2" name="Slide Image Placeholder 1"/>
+          <p:cNvSpPr>
+            <a:spLocks noGrp="1" noRot="1" noChangeAspect="1"/>
+          </p:cNvSpPr>
+          <p:nvPr>
+            <p:ph type="sldImg"/>
+          </p:nvPr>
+        </p:nvSpPr>
+        <p:spPr/>
+      </p:sp>
+      <p:sp>
+        <p:nvSpPr>
+          <p:cNvPr id="3" name="Notes Placeholder 2"/>
+          <p:cNvSpPr>
+            <a:spLocks noGrp="1"/>
+          </p:cNvSpPr>
+          <p:nvPr>
+            <p:ph type="body" idx="1"/>
+          </p:nvPr>
+        </p:nvSpPr>
+        <p:spPr/>
+        <p:txBody>
+          <a:bodyPr/>
+          <a:lstStyle/>
+          <a:p>
+            <a:r>
+              <a:rPr lang="en-US" dirty="0" smtClean="0"/>
+              <a:t>Talk about</a:t>
+            </a:r>
+            <a:r>
+              <a:rPr lang="en-US" baseline="0" dirty="0" smtClean="0"/>
+              <a:t> events and types</a:t>
+            </a:r>
+          </a:p>
+          <a:p>
+            <a:r>
+              <a:rPr lang="en-US" baseline="0" dirty="0" smtClean="0"/>
+              <a:t>Then show the client machine and explain the control flow briefly.</a:t>
+            </a:r>
+          </a:p>
+        </p:txBody>
+      </p:sp>
+      <p:sp>
+        <p:nvSpPr>
+          <p:cNvPr id="4" name="Slide Number Placeholder 3"/>
+          <p:cNvSpPr>
+            <a:spLocks noGrp="1"/>
+          </p:cNvSpPr>
+          <p:nvPr>
+            <p:ph type="sldNum" sz="quarter" idx="10"/>
+          </p:nvPr>
+        </p:nvSpPr>
+        <p:spPr/>
+        <p:txBody>
+          <a:bodyPr/>
+          <a:lstStyle/>
+          <a:p>
+            <a:fld id="{5D386647-7AE0-4CBA-AC4E-932692EE63ED}" type="slidenum">
+              <a:rPr lang="en-US" smtClean="0"/>
+              <a:t>4</a:t>
+            </a:fld>
+            <a:endParaRPr lang="en-US"/>
+          </a:p>
+        </p:txBody>
+      </p:sp>
+    </p:spTree>
+    <p:extLst>
+      <p:ext uri="{BB962C8B-B14F-4D97-AF65-F5344CB8AC3E}">
+        <p14:creationId xmlns:p14="http://schemas.microsoft.com/office/powerpoint/2010/main" val="2302190884"/>
+      </p:ext>
+    </p:extLst>
+  </p:cSld>
+  <p:clrMapOvr>
+    <a:masterClrMapping/>
+  </p:clrMapOvr>
+</p:notes>
 </file>
 
 <file path=ppt/slideLayouts/slideLayout1.xml><?xml version="1.0" encoding="utf-8"?>
@@ -3598,33 +3695,43 @@
         </p:nvSpPr>
         <p:spPr/>
         <p:txBody>
+          <a:bodyPr>
+            <a:normAutofit fontScale="90000"/>
+          </a:bodyPr>
+          <a:lstStyle/>
+          <a:p>
+            <a:r>
+              <a:rPr lang="en-US" dirty="0" smtClean="0"/>
+              <a:t>Safety </a:t>
+            </a:r>
+            <a:r>
+              <a:rPr lang="en-US" dirty="0" smtClean="0"/>
+              <a:t>and Liveness Monitors</a:t>
+            </a:r>
+            <a:endParaRPr lang="en-US" dirty="0"/>
+          </a:p>
+        </p:txBody>
+      </p:sp>
+      <p:sp>
+        <p:nvSpPr>
+          <p:cNvPr id="3" name="Content Placeholder 2"/>
+          <p:cNvSpPr>
+            <a:spLocks noGrp="1"/>
+          </p:cNvSpPr>
+          <p:nvPr>
+            <p:ph idx="1"/>
+          </p:nvPr>
+        </p:nvSpPr>
+        <p:spPr/>
+        <p:txBody>
           <a:bodyPr/>
           <a:lstStyle/>
           <a:p>
             <a:r>
               <a:rPr lang="en-US" dirty="0" smtClean="0"/>
-              <a:t>Liveness Monitors</a:t>
+              <a:t>Monitors and announce</a:t>
             </a:r>
             <a:endParaRPr lang="en-US" dirty="0"/>
-          </a:p>
-        </p:txBody>
-      </p:sp>
-      <p:sp>
-        <p:nvSpPr>
-          <p:cNvPr id="3" name="Content Placeholder 2"/>
-          <p:cNvSpPr>
-            <a:spLocks noGrp="1"/>
-          </p:cNvSpPr>
-          <p:nvPr>
-            <p:ph idx="1"/>
-          </p:nvPr>
-        </p:nvSpPr>
-        <p:spPr/>
-        <p:txBody>
-          <a:bodyPr/>
-          <a:lstStyle/>
-          <a:p>
-            <a:endParaRPr lang="en-US"/>
           </a:p>
         </p:txBody>
       </p:sp>
@@ -3701,7 +3808,7 @@
     </p:spTree>
     <p:extLst>
       <p:ext uri="{BB962C8B-B14F-4D97-AF65-F5344CB8AC3E}">
-        <p14:creationId xmlns:p14="http://schemas.microsoft.com/office/powerpoint/2010/main" val="2059239894"/>
+        <p14:creationId xmlns:p14="http://schemas.microsoft.com/office/powerpoint/2010/main" val="3427276350"/>
       </p:ext>
     </p:extLst>
   </p:cSld>
@@ -4674,6 +4781,556 @@
   <p:timing>
     <p:tnLst>
       <p:par>
+        <p:cTn id="1" dur="indefinite" restart="never" nodeType="tmRoot"/>
+      </p:par>
+    </p:tnLst>
+  </p:timing>
+</p:sld>
+</file>
+
+<file path=ppt/slides/slide3.xml><?xml version="1.0" encoding="utf-8"?>
+<p:sld xmlns:a="http://schemas.openxmlformats.org/drawingml/2006/main" xmlns:r="http://schemas.openxmlformats.org/officeDocument/2006/relationships" xmlns:p="http://schemas.openxmlformats.org/presentationml/2006/main">
+  <p:cSld>
+    <p:spTree>
+      <p:nvGrpSpPr>
+        <p:cNvPr id="1" name=""/>
+        <p:cNvGrpSpPr/>
+        <p:nvPr/>
+      </p:nvGrpSpPr>
+      <p:grpSpPr>
+        <a:xfrm>
+          <a:off x="0" y="0"/>
+          <a:ext cx="0" cy="0"/>
+          <a:chOff x="0" y="0"/>
+          <a:chExt cx="0" cy="0"/>
+        </a:xfrm>
+      </p:grpSpPr>
+      <p:sp>
+        <p:nvSpPr>
+          <p:cNvPr id="2" name="Title 1"/>
+          <p:cNvSpPr>
+            <a:spLocks noGrp="1"/>
+          </p:cNvSpPr>
+          <p:nvPr>
+            <p:ph type="title"/>
+          </p:nvPr>
+        </p:nvSpPr>
+        <p:spPr/>
+        <p:txBody>
+          <a:bodyPr/>
+          <a:lstStyle/>
+          <a:p>
+            <a:r>
+              <a:rPr lang="en-US" dirty="0" smtClean="0"/>
+              <a:t>Client-Server Example</a:t>
+            </a:r>
+            <a:endParaRPr lang="en-US" dirty="0"/>
+          </a:p>
+        </p:txBody>
+      </p:sp>
+      <p:sp>
+        <p:nvSpPr>
+          <p:cNvPr id="4" name="Date Placeholder 3"/>
+          <p:cNvSpPr>
+            <a:spLocks noGrp="1"/>
+          </p:cNvSpPr>
+          <p:nvPr>
+            <p:ph type="dt" sz="half" idx="10"/>
+          </p:nvPr>
+        </p:nvSpPr>
+        <p:spPr/>
+        <p:txBody>
+          <a:bodyPr/>
+          <a:lstStyle/>
+          <a:p>
+            <a:r>
+              <a:rPr lang="en-US" smtClean="0"/>
+              <a:t>PLDI 2019</a:t>
+            </a:r>
+            <a:endParaRPr lang="en-US" dirty="0"/>
+          </a:p>
+        </p:txBody>
+      </p:sp>
+      <p:sp>
+        <p:nvSpPr>
+          <p:cNvPr id="5" name="Footer Placeholder 4"/>
+          <p:cNvSpPr>
+            <a:spLocks noGrp="1"/>
+          </p:cNvSpPr>
+          <p:nvPr>
+            <p:ph type="ftr" sz="quarter" idx="11"/>
+          </p:nvPr>
+        </p:nvSpPr>
+        <p:spPr/>
+        <p:txBody>
+          <a:bodyPr/>
+          <a:lstStyle/>
+          <a:p>
+            <a:r>
+              <a:rPr lang="en-US" smtClean="0"/>
+              <a:t>Compositional Programming and Testing of Event-Driven Systems</a:t>
+            </a:r>
+            <a:endParaRPr lang="en-US" dirty="0"/>
+          </a:p>
+        </p:txBody>
+      </p:sp>
+      <p:sp>
+        <p:nvSpPr>
+          <p:cNvPr id="6" name="Slide Number Placeholder 5"/>
+          <p:cNvSpPr>
+            <a:spLocks noGrp="1"/>
+          </p:cNvSpPr>
+          <p:nvPr>
+            <p:ph type="sldNum" sz="quarter" idx="12"/>
+          </p:nvPr>
+        </p:nvSpPr>
+        <p:spPr/>
+        <p:txBody>
+          <a:bodyPr/>
+          <a:lstStyle/>
+          <a:p>
+            <a:fld id="{77CC721F-1D71-470D-9ADD-E53F1C9EB23A}" type="slidenum">
+              <a:rPr lang="en-US" smtClean="0"/>
+              <a:pPr/>
+              <a:t>3</a:t>
+            </a:fld>
+            <a:endParaRPr lang="en-US" dirty="0"/>
+          </a:p>
+        </p:txBody>
+      </p:sp>
+      <p:sp>
+        <p:nvSpPr>
+          <p:cNvPr id="7" name="Oval 6"/>
+          <p:cNvSpPr/>
+          <p:nvPr/>
+        </p:nvSpPr>
+        <p:spPr>
+          <a:xfrm>
+            <a:off x="948948" y="3191320"/>
+            <a:ext cx="1408176" cy="1344168"/>
+          </a:xfrm>
+          <a:prstGeom prst="ellipse">
+            <a:avLst/>
+          </a:prstGeom>
+        </p:spPr>
+        <p:style>
+          <a:lnRef idx="2">
+            <a:schemeClr val="accent1">
+              <a:shade val="50000"/>
+            </a:schemeClr>
+          </a:lnRef>
+          <a:fillRef idx="1">
+            <a:schemeClr val="accent1"/>
+          </a:fillRef>
+          <a:effectRef idx="0">
+            <a:schemeClr val="accent1"/>
+          </a:effectRef>
+          <a:fontRef idx="minor">
+            <a:schemeClr val="lt1"/>
+          </a:fontRef>
+        </p:style>
+        <p:txBody>
+          <a:bodyPr rtlCol="0" anchor="ctr"/>
+          <a:lstStyle/>
+          <a:p>
+            <a:pPr algn="ctr"/>
+            <a:r>
+              <a:rPr lang="en-US" sz="2400" dirty="0" smtClean="0"/>
+              <a:t>Client</a:t>
+            </a:r>
+            <a:endParaRPr lang="en-US" sz="2400" dirty="0"/>
+          </a:p>
+        </p:txBody>
+      </p:sp>
+      <p:sp>
+        <p:nvSpPr>
+          <p:cNvPr id="8" name="Oval 7"/>
+          <p:cNvSpPr/>
+          <p:nvPr/>
+        </p:nvSpPr>
+        <p:spPr>
+          <a:xfrm>
+            <a:off x="3899412" y="3118422"/>
+            <a:ext cx="1493520" cy="1417065"/>
+          </a:xfrm>
+          <a:prstGeom prst="ellipse">
+            <a:avLst/>
+          </a:prstGeom>
+        </p:spPr>
+        <p:style>
+          <a:lnRef idx="2">
+            <a:schemeClr val="accent1">
+              <a:shade val="50000"/>
+            </a:schemeClr>
+          </a:lnRef>
+          <a:fillRef idx="1">
+            <a:schemeClr val="accent1"/>
+          </a:fillRef>
+          <a:effectRef idx="0">
+            <a:schemeClr val="accent1"/>
+          </a:effectRef>
+          <a:fontRef idx="minor">
+            <a:schemeClr val="lt1"/>
+          </a:fontRef>
+        </p:style>
+        <p:txBody>
+          <a:bodyPr rtlCol="0" anchor="ctr"/>
+          <a:lstStyle/>
+          <a:p>
+            <a:pPr algn="ctr"/>
+            <a:r>
+              <a:rPr lang="en-US" sz="2400" dirty="0" smtClean="0"/>
+              <a:t>Server</a:t>
+            </a:r>
+            <a:endParaRPr lang="en-US" sz="2400" dirty="0"/>
+          </a:p>
+        </p:txBody>
+      </p:sp>
+      <p:sp>
+        <p:nvSpPr>
+          <p:cNvPr id="9" name="Oval 8"/>
+          <p:cNvSpPr/>
+          <p:nvPr/>
+        </p:nvSpPr>
+        <p:spPr>
+          <a:xfrm>
+            <a:off x="6345605" y="3118421"/>
+            <a:ext cx="1571748" cy="1417065"/>
+          </a:xfrm>
+          <a:prstGeom prst="ellipse">
+            <a:avLst/>
+          </a:prstGeom>
+        </p:spPr>
+        <p:style>
+          <a:lnRef idx="2">
+            <a:schemeClr val="accent1">
+              <a:shade val="50000"/>
+            </a:schemeClr>
+          </a:lnRef>
+          <a:fillRef idx="1">
+            <a:schemeClr val="accent1"/>
+          </a:fillRef>
+          <a:effectRef idx="0">
+            <a:schemeClr val="accent1"/>
+          </a:effectRef>
+          <a:fontRef idx="minor">
+            <a:schemeClr val="lt1"/>
+          </a:fontRef>
+        </p:style>
+        <p:txBody>
+          <a:bodyPr rtlCol="0" anchor="ctr"/>
+          <a:lstStyle/>
+          <a:p>
+            <a:pPr algn="ctr"/>
+            <a:r>
+              <a:rPr lang="en-US" sz="2400" dirty="0" smtClean="0"/>
+              <a:t>Helper</a:t>
+            </a:r>
+            <a:endParaRPr lang="en-US" sz="2400" dirty="0"/>
+          </a:p>
+        </p:txBody>
+      </p:sp>
+      <p:cxnSp>
+        <p:nvCxnSpPr>
+          <p:cNvPr id="10" name="Curved Connector 9"/>
+          <p:cNvCxnSpPr>
+            <a:stCxn id="7" idx="0"/>
+            <a:endCxn id="8" idx="0"/>
+          </p:cNvCxnSpPr>
+          <p:nvPr/>
+        </p:nvCxnSpPr>
+        <p:spPr>
+          <a:xfrm rot="5400000" flipH="1" flipV="1">
+            <a:off x="3113155" y="1658303"/>
+            <a:ext cx="72898" cy="2993136"/>
+          </a:xfrm>
+          <a:prstGeom prst="curvedConnector3">
+            <a:avLst>
+              <a:gd name="adj1" fmla="val 413589"/>
+            </a:avLst>
+          </a:prstGeom>
+          <a:ln>
+            <a:tailEnd type="triangle"/>
+          </a:ln>
+        </p:spPr>
+        <p:style>
+          <a:lnRef idx="1">
+            <a:schemeClr val="accent1"/>
+          </a:lnRef>
+          <a:fillRef idx="0">
+            <a:schemeClr val="accent1"/>
+          </a:fillRef>
+          <a:effectRef idx="0">
+            <a:schemeClr val="accent1"/>
+          </a:effectRef>
+          <a:fontRef idx="minor">
+            <a:schemeClr val="tx1"/>
+          </a:fontRef>
+        </p:style>
+      </p:cxnSp>
+      <p:sp>
+        <p:nvSpPr>
+          <p:cNvPr id="11" name="TextBox 10"/>
+          <p:cNvSpPr txBox="1"/>
+          <p:nvPr/>
+        </p:nvSpPr>
+        <p:spPr>
+          <a:xfrm>
+            <a:off x="2521716" y="2422220"/>
+            <a:ext cx="1068113" cy="400110"/>
+          </a:xfrm>
+          <a:prstGeom prst="rect">
+            <a:avLst/>
+          </a:prstGeom>
+          <a:noFill/>
+        </p:spPr>
+        <p:txBody>
+          <a:bodyPr wrap="none" rtlCol="0">
+            <a:spAutoFit/>
+          </a:bodyPr>
+          <a:lstStyle/>
+          <a:p>
+            <a:r>
+              <a:rPr lang="en-US" sz="2000" dirty="0"/>
+              <a:t>R</a:t>
+            </a:r>
+            <a:r>
+              <a:rPr lang="en-US" sz="2000" dirty="0" smtClean="0"/>
+              <a:t>equest</a:t>
+            </a:r>
+            <a:endParaRPr lang="en-US" sz="2000" dirty="0"/>
+          </a:p>
+        </p:txBody>
+      </p:sp>
+      <p:cxnSp>
+        <p:nvCxnSpPr>
+          <p:cNvPr id="12" name="Curved Connector 11"/>
+          <p:cNvCxnSpPr>
+            <a:stCxn id="8" idx="7"/>
+            <a:endCxn id="9" idx="0"/>
+          </p:cNvCxnSpPr>
+          <p:nvPr/>
+        </p:nvCxnSpPr>
+        <p:spPr>
+          <a:xfrm rot="5400000" flipH="1" flipV="1">
+            <a:off x="6049083" y="2243550"/>
+            <a:ext cx="207525" cy="1957268"/>
+          </a:xfrm>
+          <a:prstGeom prst="curvedConnector3">
+            <a:avLst>
+              <a:gd name="adj1" fmla="val 210155"/>
+            </a:avLst>
+          </a:prstGeom>
+          <a:ln>
+            <a:tailEnd type="triangle"/>
+          </a:ln>
+        </p:spPr>
+        <p:style>
+          <a:lnRef idx="1">
+            <a:schemeClr val="accent1"/>
+          </a:lnRef>
+          <a:fillRef idx="0">
+            <a:schemeClr val="accent1"/>
+          </a:fillRef>
+          <a:effectRef idx="0">
+            <a:schemeClr val="accent1"/>
+          </a:effectRef>
+          <a:fontRef idx="minor">
+            <a:schemeClr val="tx1"/>
+          </a:fontRef>
+        </p:style>
+      </p:cxnSp>
+      <p:sp>
+        <p:nvSpPr>
+          <p:cNvPr id="15" name="TextBox 14"/>
+          <p:cNvSpPr txBox="1"/>
+          <p:nvPr/>
+        </p:nvSpPr>
+        <p:spPr>
+          <a:xfrm>
+            <a:off x="5341867" y="2430424"/>
+            <a:ext cx="1909112" cy="400110"/>
+          </a:xfrm>
+          <a:prstGeom prst="rect">
+            <a:avLst/>
+          </a:prstGeom>
+          <a:noFill/>
+        </p:spPr>
+        <p:txBody>
+          <a:bodyPr wrap="none" rtlCol="0">
+            <a:spAutoFit/>
+          </a:bodyPr>
+          <a:lstStyle/>
+          <a:p>
+            <a:r>
+              <a:rPr lang="en-US" sz="2000" dirty="0" err="1" smtClean="0"/>
+              <a:t>processRequest</a:t>
+            </a:r>
+            <a:endParaRPr lang="en-US" sz="2000" dirty="0"/>
+          </a:p>
+        </p:txBody>
+      </p:sp>
+      <p:cxnSp>
+        <p:nvCxnSpPr>
+          <p:cNvPr id="16" name="Curved Connector 15"/>
+          <p:cNvCxnSpPr>
+            <a:stCxn id="9" idx="4"/>
+            <a:endCxn id="8" idx="4"/>
+          </p:cNvCxnSpPr>
+          <p:nvPr/>
+        </p:nvCxnSpPr>
+        <p:spPr>
+          <a:xfrm rot="5400000">
+            <a:off x="5888826" y="3292833"/>
+            <a:ext cx="1" cy="2485307"/>
+          </a:xfrm>
+          <a:prstGeom prst="curvedConnector3">
+            <a:avLst>
+              <a:gd name="adj1" fmla="val 22860100000"/>
+            </a:avLst>
+          </a:prstGeom>
+          <a:ln>
+            <a:tailEnd type="triangle"/>
+          </a:ln>
+        </p:spPr>
+        <p:style>
+          <a:lnRef idx="1">
+            <a:schemeClr val="accent1"/>
+          </a:lnRef>
+          <a:fillRef idx="0">
+            <a:schemeClr val="accent1"/>
+          </a:fillRef>
+          <a:effectRef idx="0">
+            <a:schemeClr val="accent1"/>
+          </a:effectRef>
+          <a:fontRef idx="minor">
+            <a:schemeClr val="tx1"/>
+          </a:fontRef>
+        </p:style>
+      </p:cxnSp>
+      <p:sp>
+        <p:nvSpPr>
+          <p:cNvPr id="17" name="TextBox 16"/>
+          <p:cNvSpPr txBox="1"/>
+          <p:nvPr/>
+        </p:nvSpPr>
+        <p:spPr>
+          <a:xfrm>
+            <a:off x="4603163" y="4807458"/>
+            <a:ext cx="2882136" cy="400110"/>
+          </a:xfrm>
+          <a:prstGeom prst="rect">
+            <a:avLst/>
+          </a:prstGeom>
+          <a:noFill/>
+        </p:spPr>
+        <p:txBody>
+          <a:bodyPr wrap="none" rtlCol="0">
+            <a:spAutoFit/>
+          </a:bodyPr>
+          <a:lstStyle/>
+          <a:p>
+            <a:r>
+              <a:rPr lang="en-US" sz="2000" dirty="0" err="1" smtClean="0"/>
+              <a:t>ReqSuccess</a:t>
+            </a:r>
+            <a:r>
+              <a:rPr lang="en-US" sz="2000" dirty="0"/>
+              <a:t> </a:t>
+            </a:r>
+            <a:r>
+              <a:rPr lang="en-US" sz="2000" dirty="0" smtClean="0"/>
+              <a:t>or </a:t>
+            </a:r>
+            <a:r>
+              <a:rPr lang="en-US" sz="2000" dirty="0" err="1" smtClean="0"/>
+              <a:t>ReqFailed</a:t>
+            </a:r>
+            <a:endParaRPr lang="en-US" sz="2000" dirty="0"/>
+          </a:p>
+        </p:txBody>
+      </p:sp>
+      <p:sp>
+        <p:nvSpPr>
+          <p:cNvPr id="24" name="TextBox 23"/>
+          <p:cNvSpPr txBox="1"/>
+          <p:nvPr/>
+        </p:nvSpPr>
+        <p:spPr>
+          <a:xfrm>
+            <a:off x="2269775" y="4934811"/>
+            <a:ext cx="1231619" cy="400110"/>
+          </a:xfrm>
+          <a:prstGeom prst="rect">
+            <a:avLst/>
+          </a:prstGeom>
+          <a:noFill/>
+        </p:spPr>
+        <p:txBody>
+          <a:bodyPr wrap="none" rtlCol="0">
+            <a:spAutoFit/>
+          </a:bodyPr>
+          <a:lstStyle/>
+          <a:p>
+            <a:r>
+              <a:rPr lang="en-US" sz="2000" dirty="0" smtClean="0"/>
+              <a:t>Response</a:t>
+            </a:r>
+            <a:endParaRPr lang="en-US" sz="2000" dirty="0"/>
+          </a:p>
+        </p:txBody>
+      </p:sp>
+      <p:cxnSp>
+        <p:nvCxnSpPr>
+          <p:cNvPr id="25" name="Curved Connector 24"/>
+          <p:cNvCxnSpPr>
+            <a:stCxn id="8" idx="3"/>
+            <a:endCxn id="7" idx="4"/>
+          </p:cNvCxnSpPr>
+          <p:nvPr/>
+        </p:nvCxnSpPr>
+        <p:spPr>
+          <a:xfrm rot="5400000">
+            <a:off x="2781823" y="3199177"/>
+            <a:ext cx="207525" cy="2465097"/>
+          </a:xfrm>
+          <a:prstGeom prst="curvedConnector3">
+            <a:avLst>
+              <a:gd name="adj1" fmla="val 210155"/>
+            </a:avLst>
+          </a:prstGeom>
+          <a:ln>
+            <a:tailEnd type="triangle"/>
+          </a:ln>
+        </p:spPr>
+        <p:style>
+          <a:lnRef idx="1">
+            <a:schemeClr val="accent1"/>
+          </a:lnRef>
+          <a:fillRef idx="0">
+            <a:schemeClr val="accent1"/>
+          </a:fillRef>
+          <a:effectRef idx="0">
+            <a:schemeClr val="accent1"/>
+          </a:effectRef>
+          <a:fontRef idx="minor">
+            <a:schemeClr val="tx1"/>
+          </a:fontRef>
+        </p:style>
+      </p:cxnSp>
+    </p:spTree>
+    <p:extLst>
+      <p:ext uri="{BB962C8B-B14F-4D97-AF65-F5344CB8AC3E}">
+        <p14:creationId xmlns:p14="http://schemas.microsoft.com/office/powerpoint/2010/main" val="820136444"/>
+      </p:ext>
+    </p:extLst>
+  </p:cSld>
+  <p:clrMapOvr>
+    <a:masterClrMapping/>
+  </p:clrMapOvr>
+  <p:timing>
+    <p:tnLst>
+      <p:par>
         <p:cTn id="1" dur="indefinite" restart="never" nodeType="tmRoot">
           <p:childTnLst>
             <p:seq concurrent="1" nextAc="seek">
@@ -4705,11 +5362,7 @@
                                           </p:stCondLst>
                                         </p:cTn>
                                         <p:tgtEl>
-                                          <p:spTgt spid="3">
-                                            <p:txEl>
-                                              <p:pRg st="1" end="1"/>
-                                            </p:txEl>
-                                          </p:spTgt>
+                                          <p:spTgt spid="10"/>
                                         </p:tgtEl>
                                         <p:attrNameLst>
                                           <p:attrName>style.visibility</p:attrName>
@@ -4723,7 +5376,7 @@
                                 </p:cTn>
                               </p:par>
                               <p:par>
-                                <p:cTn id="7" presetID="1" presetClass="entr" presetSubtype="0" fill="hold" nodeType="withEffect">
+                                <p:cTn id="7" presetID="1" presetClass="entr" presetSubtype="0" fill="hold" grpId="0" nodeType="withEffect">
                                   <p:stCondLst>
                                     <p:cond delay="0"/>
                                   </p:stCondLst>
@@ -4736,11 +5389,52 @@
                                           </p:stCondLst>
                                         </p:cTn>
                                         <p:tgtEl>
-                                          <p:spTgt spid="3">
-                                            <p:txEl>
-                                              <p:pRg st="2" end="2"/>
-                                            </p:txEl>
-                                          </p:spTgt>
+                                          <p:spTgt spid="11"/>
+                                        </p:tgtEl>
+                                        <p:attrNameLst>
+                                          <p:attrName>style.visibility</p:attrName>
+                                        </p:attrNameLst>
+                                      </p:cBhvr>
+                                      <p:to>
+                                        <p:strVal val="visible"/>
+                                      </p:to>
+                                    </p:set>
+                                  </p:childTnLst>
+                                </p:cTn>
+                              </p:par>
+                            </p:childTnLst>
+                          </p:cTn>
+                        </p:par>
+                      </p:childTnLst>
+                    </p:cTn>
+                  </p:par>
+                  <p:par>
+                    <p:cTn id="9" fill="hold">
+                      <p:stCondLst>
+                        <p:cond delay="indefinite"/>
+                      </p:stCondLst>
+                      <p:childTnLst>
+                        <p:par>
+                          <p:cTn id="10" fill="hold">
+                            <p:stCondLst>
+                              <p:cond delay="0"/>
+                            </p:stCondLst>
+                            <p:childTnLst>
+                              <p:par>
+                                <p:cTn id="11" presetID="1" presetClass="entr" presetSubtype="0" fill="hold" nodeType="clickEffect">
+                                  <p:stCondLst>
+                                    <p:cond delay="0"/>
+                                  </p:stCondLst>
+                                  <p:childTnLst>
+                                    <p:set>
+                                      <p:cBhvr>
+                                        <p:cTn id="12" dur="1" fill="hold">
+                                          <p:stCondLst>
+                                            <p:cond delay="0"/>
+                                          </p:stCondLst>
+                                        </p:cTn>
+                                        <p:tgtEl>
+                                          <p:spTgt spid="12"/>
                                         </p:tgtEl>
                                         <p:attrNameLst>
                                           <p:attrName>style.visibility</p:attrName>
@@ -4754,24 +5448,164 @@
                                 </p:cTn>
                               </p:par>
                               <p:par>
-                                <p:cTn id="9" presetID="1" presetClass="entr" presetSubtype="0" fill="hold" nodeType="withEffect">
+                                <p:cTn id="13" presetID="1" presetClass="entr" presetSubtype="0" fill="hold" grpId="0" nodeType="withEffect">
                                   <p:stCondLst>
                                     <p:cond delay="0"/>
                                   </p:stCondLst>
                                   <p:childTnLst>
                                     <p:set>
                                       <p:cBhvr>
-                                        <p:cTn id="10" dur="1" fill="hold">
+                                        <p:cTn id="14" dur="1" fill="hold">
                                           <p:stCondLst>
                                             <p:cond delay="0"/>
                                           </p:stCondLst>
                                         </p:cTn>
                                         <p:tgtEl>
-                                          <p:spTgt spid="3">
-                                            <p:txEl>
-                                              <p:pRg st="3" end="3"/>
-                                            </p:txEl>
-                                          </p:spTgt>
+                                          <p:spTgt spid="15"/>
+                                        </p:tgtEl>
+                                        <p:attrNameLst>
+                                          <p:attrName>style.visibility</p:attrName>
+                                        </p:attrNameLst>
+                                      </p:cBhvr>
+                                      <p:to>
+                                        <p:strVal val="visible"/>
+                                      </p:to>
+                                    </p:set>
+                                  </p:childTnLst>
+                                </p:cTn>
+                              </p:par>
+                            </p:childTnLst>
+                          </p:cTn>
+                        </p:par>
+                      </p:childTnLst>
+                    </p:cTn>
+                  </p:par>
+                  <p:par>
+                    <p:cTn id="15" fill="hold">
+                      <p:stCondLst>
+                        <p:cond delay="indefinite"/>
+                      </p:stCondLst>
+                      <p:childTnLst>
+                        <p:par>
+                          <p:cTn id="16" fill="hold">
+                            <p:stCondLst>
+                              <p:cond delay="0"/>
+                            </p:stCondLst>
+                            <p:childTnLst>
+                              <p:par>
+                                <p:cTn id="17" presetID="1" presetClass="entr" presetSubtype="0" fill="hold" nodeType="clickEffect">
+                                  <p:stCondLst>
+                                    <p:cond delay="0"/>
+                                  </p:stCondLst>
+                                  <p:childTnLst>
+                                    <p:set>
+                                      <p:cBhvr>
+                                        <p:cTn id="18" dur="1" fill="hold">
+                                          <p:stCondLst>
+                                            <p:cond delay="0"/>
+                                          </p:stCondLst>
+                                        </p:cTn>
+                                        <p:tgtEl>
+                                          <p:spTgt spid="16"/>
+                                        </p:tgtEl>
+                                        <p:attrNameLst>
+                                          <p:attrName>style.visibility</p:attrName>
+                                        </p:attrNameLst>
+                                      </p:cBhvr>
+                                      <p:to>
+                                        <p:strVal val="visible"/>
+                                      </p:to>
+                                    </p:set>
+                                  </p:childTnLst>
+                                </p:cTn>
+                              </p:par>
+                              <p:par>
+                                <p:cTn id="19" presetID="1" presetClass="entr" presetSubtype="0" fill="hold" grpId="0" nodeType="withEffect">
+                                  <p:stCondLst>
+                                    <p:cond delay="0"/>
+                                  </p:stCondLst>
+                                  <p:childTnLst>
+                                    <p:set>
+                                      <p:cBhvr>
+                                        <p:cTn id="20" dur="1" fill="hold">
+                                          <p:stCondLst>
+                                            <p:cond delay="0"/>
+                                          </p:stCondLst>
+                                        </p:cTn>
+                                        <p:tgtEl>
+                                          <p:spTgt spid="17"/>
+                                        </p:tgtEl>
+                                        <p:attrNameLst>
+                                          <p:attrName>style.visibility</p:attrName>
+                                        </p:attrNameLst>
+                                      </p:cBhvr>
+                                      <p:to>
+                                        <p:strVal val="visible"/>
+                                      </p:to>
+                                    </p:set>
+                                  </p:childTnLst>
+                                </p:cTn>
+                              </p:par>
+                            </p:childTnLst>
+                          </p:cTn>
+                        </p:par>
+                      </p:childTnLst>
+                    </p:cTn>
+                  </p:par>
+                  <p:par>
+                    <p:cTn id="21" fill="hold">
+                      <p:stCondLst>
+                        <p:cond delay="indefinite"/>
+                      </p:stCondLst>
+                      <p:childTnLst>
+                        <p:par>
+                          <p:cTn id="22" fill="hold">
+                            <p:stCondLst>
+                              <p:cond delay="0"/>
+                            </p:stCondLst>
+                            <p:childTnLst>
+                              <p:par>
+                                <p:cTn id="23" presetID="1" presetClass="entr" presetSubtype="0" fill="hold" grpId="0" nodeType="clickEffect">
+                                  <p:stCondLst>
+                                    <p:cond delay="0"/>
+                                  </p:stCondLst>
+                                  <p:childTnLst>
+                                    <p:set>
+                                      <p:cBhvr>
+                                        <p:cTn id="24" dur="1" fill="hold">
+                                          <p:stCondLst>
+                                            <p:cond delay="0"/>
+                                          </p:stCondLst>
+                                        </p:cTn>
+                                        <p:tgtEl>
+                                          <p:spTgt spid="24"/>
+                                        </p:tgtEl>
+                                        <p:attrNameLst>
+                                          <p:attrName>style.visibility</p:attrName>
+                                        </p:attrNameLst>
+                                      </p:cBhvr>
+                                      <p:to>
+                                        <p:strVal val="visible"/>
+                                      </p:to>
+                                    </p:set>
+                                  </p:childTnLst>
+                                </p:cTn>
+                              </p:par>
+                              <p:par>
+                                <p:cTn id="25" presetID="1" presetClass="entr" presetSubtype="0" fill="hold" nodeType="withEffect">
+                                  <p:stCondLst>
+                                    <p:cond delay="0"/>
+                                  </p:stCondLst>
+                                  <p:childTnLst>
+                                    <p:set>
+                                      <p:cBhvr>
+                                        <p:cTn id="26" dur="1" fill="hold">
+                                          <p:stCondLst>
+                                            <p:cond delay="0"/>
+                                          </p:stCondLst>
+                                        </p:cTn>
+                                        <p:tgtEl>
+                                          <p:spTgt spid="25"/>
                                         </p:tgtEl>
                                         <p:attrNameLst>
                                           <p:attrName>style.visibility</p:attrName>
@@ -4811,268 +5645,12 @@
         </p:cTn>
       </p:par>
     </p:tnLst>
-  </p:timing>
-</p:sld>
-</file>
-
-<file path=ppt/slides/slide3.xml><?xml version="1.0" encoding="utf-8"?>
-<p:sld xmlns:a="http://schemas.openxmlformats.org/drawingml/2006/main" xmlns:r="http://schemas.openxmlformats.org/officeDocument/2006/relationships" xmlns:p="http://schemas.openxmlformats.org/presentationml/2006/main">
-  <p:cSld>
-    <p:spTree>
-      <p:nvGrpSpPr>
-        <p:cNvPr id="1" name=""/>
-        <p:cNvGrpSpPr/>
-        <p:nvPr/>
-      </p:nvGrpSpPr>
-      <p:grpSpPr>
-        <a:xfrm>
-          <a:off x="0" y="0"/>
-          <a:ext cx="0" cy="0"/>
-          <a:chOff x="0" y="0"/>
-          <a:chExt cx="0" cy="0"/>
-        </a:xfrm>
-      </p:grpSpPr>
-      <p:sp>
-        <p:nvSpPr>
-          <p:cNvPr id="2" name="Title 1"/>
-          <p:cNvSpPr>
-            <a:spLocks noGrp="1"/>
-          </p:cNvSpPr>
-          <p:nvPr>
-            <p:ph type="title"/>
-          </p:nvPr>
-        </p:nvSpPr>
-        <p:spPr/>
-        <p:txBody>
-          <a:bodyPr/>
-          <a:lstStyle/>
-          <a:p>
-            <a:r>
-              <a:rPr lang="en-US" dirty="0" smtClean="0"/>
-              <a:t>Client-Server Example</a:t>
-            </a:r>
-            <a:endParaRPr lang="en-US" dirty="0"/>
-          </a:p>
-        </p:txBody>
-      </p:sp>
-      <p:sp>
-        <p:nvSpPr>
-          <p:cNvPr id="4" name="Date Placeholder 3"/>
-          <p:cNvSpPr>
-            <a:spLocks noGrp="1"/>
-          </p:cNvSpPr>
-          <p:nvPr>
-            <p:ph type="dt" sz="half" idx="10"/>
-          </p:nvPr>
-        </p:nvSpPr>
-        <p:spPr/>
-        <p:txBody>
-          <a:bodyPr/>
-          <a:lstStyle/>
-          <a:p>
-            <a:r>
-              <a:rPr lang="en-US" smtClean="0"/>
-              <a:t>PLDI 2019</a:t>
-            </a:r>
-            <a:endParaRPr lang="en-US" dirty="0"/>
-          </a:p>
-        </p:txBody>
-      </p:sp>
-      <p:sp>
-        <p:nvSpPr>
-          <p:cNvPr id="5" name="Footer Placeholder 4"/>
-          <p:cNvSpPr>
-            <a:spLocks noGrp="1"/>
-          </p:cNvSpPr>
-          <p:nvPr>
-            <p:ph type="ftr" sz="quarter" idx="11"/>
-          </p:nvPr>
-        </p:nvSpPr>
-        <p:spPr/>
-        <p:txBody>
-          <a:bodyPr/>
-          <a:lstStyle/>
-          <a:p>
-            <a:r>
-              <a:rPr lang="en-US" smtClean="0"/>
-              <a:t>Compositional Programming and Testing of Event-Driven Systems</a:t>
-            </a:r>
-            <a:endParaRPr lang="en-US" dirty="0"/>
-          </a:p>
-        </p:txBody>
-      </p:sp>
-      <p:sp>
-        <p:nvSpPr>
-          <p:cNvPr id="6" name="Slide Number Placeholder 5"/>
-          <p:cNvSpPr>
-            <a:spLocks noGrp="1"/>
-          </p:cNvSpPr>
-          <p:nvPr>
-            <p:ph type="sldNum" sz="quarter" idx="12"/>
-          </p:nvPr>
-        </p:nvSpPr>
-        <p:spPr/>
-        <p:txBody>
-          <a:bodyPr/>
-          <a:lstStyle/>
-          <a:p>
-            <a:fld id="{77CC721F-1D71-470D-9ADD-E53F1C9EB23A}" type="slidenum">
-              <a:rPr lang="en-US" smtClean="0"/>
-              <a:pPr/>
-              <a:t>3</a:t>
-            </a:fld>
-            <a:endParaRPr lang="en-US" dirty="0"/>
-          </a:p>
-        </p:txBody>
-      </p:sp>
-      <p:sp>
-        <p:nvSpPr>
-          <p:cNvPr id="7" name="Oval 6"/>
-          <p:cNvSpPr/>
-          <p:nvPr/>
-        </p:nvSpPr>
-        <p:spPr>
-          <a:xfrm>
-            <a:off x="948948" y="3191320"/>
-            <a:ext cx="1408176" cy="1344168"/>
-          </a:xfrm>
-          <a:prstGeom prst="ellipse">
-            <a:avLst/>
-          </a:prstGeom>
-        </p:spPr>
-        <p:style>
-          <a:lnRef idx="2">
-            <a:schemeClr val="accent1">
-              <a:shade val="50000"/>
-            </a:schemeClr>
-          </a:lnRef>
-          <a:fillRef idx="1">
-            <a:schemeClr val="accent1"/>
-          </a:fillRef>
-          <a:effectRef idx="0">
-            <a:schemeClr val="accent1"/>
-          </a:effectRef>
-          <a:fontRef idx="minor">
-            <a:schemeClr val="lt1"/>
-          </a:fontRef>
-        </p:style>
-        <p:txBody>
-          <a:bodyPr rtlCol="0" anchor="ctr"/>
-          <a:lstStyle/>
-          <a:p>
-            <a:pPr algn="ctr"/>
-            <a:r>
-              <a:rPr lang="en-US" sz="2400" dirty="0" smtClean="0"/>
-              <a:t>Client</a:t>
-            </a:r>
-            <a:endParaRPr lang="en-US" sz="2400" dirty="0"/>
-          </a:p>
-        </p:txBody>
-      </p:sp>
-      <p:sp>
-        <p:nvSpPr>
-          <p:cNvPr id="8" name="Oval 7"/>
-          <p:cNvSpPr/>
-          <p:nvPr/>
-        </p:nvSpPr>
-        <p:spPr>
-          <a:xfrm>
-            <a:off x="3899412" y="3118422"/>
-            <a:ext cx="1493520" cy="1417065"/>
-          </a:xfrm>
-          <a:prstGeom prst="ellipse">
-            <a:avLst/>
-          </a:prstGeom>
-        </p:spPr>
-        <p:style>
-          <a:lnRef idx="2">
-            <a:schemeClr val="accent1">
-              <a:shade val="50000"/>
-            </a:schemeClr>
-          </a:lnRef>
-          <a:fillRef idx="1">
-            <a:schemeClr val="accent1"/>
-          </a:fillRef>
-          <a:effectRef idx="0">
-            <a:schemeClr val="accent1"/>
-          </a:effectRef>
-          <a:fontRef idx="minor">
-            <a:schemeClr val="lt1"/>
-          </a:fontRef>
-        </p:style>
-        <p:txBody>
-          <a:bodyPr rtlCol="0" anchor="ctr"/>
-          <a:lstStyle/>
-          <a:p>
-            <a:pPr algn="ctr"/>
-            <a:r>
-              <a:rPr lang="en-US" sz="2400" dirty="0" smtClean="0"/>
-              <a:t>Server</a:t>
-            </a:r>
-            <a:endParaRPr lang="en-US" sz="2400" dirty="0"/>
-          </a:p>
-        </p:txBody>
-      </p:sp>
-      <p:sp>
-        <p:nvSpPr>
-          <p:cNvPr id="9" name="Oval 8"/>
-          <p:cNvSpPr/>
-          <p:nvPr/>
-        </p:nvSpPr>
-        <p:spPr>
-          <a:xfrm>
-            <a:off x="6054348" y="3081975"/>
-            <a:ext cx="1493520" cy="1417065"/>
-          </a:xfrm>
-          <a:prstGeom prst="ellipse">
-            <a:avLst/>
-          </a:prstGeom>
-        </p:spPr>
-        <p:style>
-          <a:lnRef idx="2">
-            <a:schemeClr val="accent1">
-              <a:shade val="50000"/>
-            </a:schemeClr>
-          </a:lnRef>
-          <a:fillRef idx="1">
-            <a:schemeClr val="accent1"/>
-          </a:fillRef>
-          <a:effectRef idx="0">
-            <a:schemeClr val="accent1"/>
-          </a:effectRef>
-          <a:fontRef idx="minor">
-            <a:schemeClr val="lt1"/>
-          </a:fontRef>
-        </p:style>
-        <p:txBody>
-          <a:bodyPr rtlCol="0" anchor="ctr"/>
-          <a:lstStyle/>
-          <a:p>
-            <a:pPr algn="ctr"/>
-            <a:r>
-              <a:rPr lang="en-US" sz="2400" dirty="0" smtClean="0"/>
-              <a:t>Helper</a:t>
-            </a:r>
-            <a:endParaRPr lang="en-US" sz="2400" dirty="0"/>
-          </a:p>
-        </p:txBody>
-      </p:sp>
-    </p:spTree>
-    <p:extLst>
-      <p:ext uri="{BB962C8B-B14F-4D97-AF65-F5344CB8AC3E}">
-        <p14:creationId xmlns:p14="http://schemas.microsoft.com/office/powerpoint/2010/main" val="820136444"/>
-      </p:ext>
-    </p:extLst>
-  </p:cSld>
-  <p:clrMapOvr>
-    <a:masterClrMapping/>
-  </p:clrMapOvr>
-  <p:timing>
-    <p:tnLst>
-      <p:par>
-        <p:cTn id="1" dur="indefinite" restart="never" nodeType="tmRoot"/>
-      </p:par>
-    </p:tnLst>
+    <p:bldLst>
+      <p:bldP spid="11" grpId="0"/>
+      <p:bldP spid="15" grpId="0"/>
+      <p:bldP spid="17" grpId="0"/>
+      <p:bldP spid="24" grpId="0"/>
+    </p:bldLst>
   </p:timing>
 </p:sld>
 </file>
@@ -5111,7 +5689,7 @@
           <a:p>
             <a:r>
               <a:rPr lang="en-US" dirty="0" smtClean="0"/>
-              <a:t>P Demo</a:t>
+              <a:t>P Example</a:t>
             </a:r>
             <a:endParaRPr lang="en-US" dirty="0"/>
           </a:p>
@@ -5256,34 +5834,15 @@
         <p:spPr/>
         <p:txBody>
           <a:bodyPr>
-            <a:normAutofit fontScale="90000"/>
+            <a:normAutofit/>
           </a:bodyPr>
           <a:lstStyle/>
           <a:p>
             <a:r>
               <a:rPr lang="en-US" dirty="0" smtClean="0"/>
-              <a:t>P State Machines Control Flow</a:t>
+              <a:t>Control Flow inside State</a:t>
             </a:r>
             <a:endParaRPr lang="en-US" dirty="0"/>
-          </a:p>
-        </p:txBody>
-      </p:sp>
-      <p:sp>
-        <p:nvSpPr>
-          <p:cNvPr id="3" name="Content Placeholder 2"/>
-          <p:cNvSpPr>
-            <a:spLocks noGrp="1"/>
-          </p:cNvSpPr>
-          <p:nvPr>
-            <p:ph idx="1"/>
-          </p:nvPr>
-        </p:nvSpPr>
-        <p:spPr/>
-        <p:txBody>
-          <a:bodyPr/>
-          <a:lstStyle/>
-          <a:p>
-            <a:endParaRPr lang="en-US"/>
           </a:p>
         </p:txBody>
       </p:sp>
@@ -5354,6 +5913,647 @@
               <a:t>5</a:t>
             </a:fld>
             <a:endParaRPr lang="en-US" dirty="0"/>
+          </a:p>
+        </p:txBody>
+      </p:sp>
+      <p:sp>
+        <p:nvSpPr>
+          <p:cNvPr id="7" name="Oval 6"/>
+          <p:cNvSpPr/>
+          <p:nvPr/>
+        </p:nvSpPr>
+        <p:spPr>
+          <a:xfrm>
+            <a:off x="1418567" y="3226932"/>
+            <a:ext cx="862445" cy="862445"/>
+          </a:xfrm>
+          <a:prstGeom prst="ellipse">
+            <a:avLst/>
+          </a:prstGeom>
+          <a:noFill/>
+          <a:ln w="25400">
+            <a:solidFill>
+              <a:schemeClr val="tx1"/>
+            </a:solidFill>
+          </a:ln>
+        </p:spPr>
+        <p:style>
+          <a:lnRef idx="2">
+            <a:schemeClr val="accent1">
+              <a:shade val="50000"/>
+            </a:schemeClr>
+          </a:lnRef>
+          <a:fillRef idx="1">
+            <a:schemeClr val="accent1"/>
+          </a:fillRef>
+          <a:effectRef idx="0">
+            <a:schemeClr val="accent1"/>
+          </a:effectRef>
+          <a:fontRef idx="minor">
+            <a:schemeClr val="lt1"/>
+          </a:fontRef>
+        </p:style>
+        <p:txBody>
+          <a:bodyPr rtlCol="0" anchor="ctr"/>
+          <a:lstStyle/>
+          <a:p>
+            <a:pPr algn="ctr"/>
+            <a:endParaRPr lang="en-US"/>
+          </a:p>
+        </p:txBody>
+      </p:sp>
+      <p:sp>
+        <p:nvSpPr>
+          <p:cNvPr id="8" name="Oval 7"/>
+          <p:cNvSpPr/>
+          <p:nvPr/>
+        </p:nvSpPr>
+        <p:spPr>
+          <a:xfrm>
+            <a:off x="4409763" y="3226932"/>
+            <a:ext cx="862445" cy="862445"/>
+          </a:xfrm>
+          <a:prstGeom prst="ellipse">
+            <a:avLst/>
+          </a:prstGeom>
+          <a:noFill/>
+          <a:ln w="25400">
+            <a:solidFill>
+              <a:schemeClr val="tx1"/>
+            </a:solidFill>
+          </a:ln>
+        </p:spPr>
+        <p:style>
+          <a:lnRef idx="2">
+            <a:schemeClr val="accent1">
+              <a:shade val="50000"/>
+            </a:schemeClr>
+          </a:lnRef>
+          <a:fillRef idx="1">
+            <a:schemeClr val="accent1"/>
+          </a:fillRef>
+          <a:effectRef idx="0">
+            <a:schemeClr val="accent1"/>
+          </a:effectRef>
+          <a:fontRef idx="minor">
+            <a:schemeClr val="lt1"/>
+          </a:fontRef>
+        </p:style>
+        <p:txBody>
+          <a:bodyPr rtlCol="0" anchor="ctr"/>
+          <a:lstStyle/>
+          <a:p>
+            <a:pPr algn="ctr"/>
+            <a:endParaRPr lang="en-US"/>
+          </a:p>
+        </p:txBody>
+      </p:sp>
+      <p:sp>
+        <p:nvSpPr>
+          <p:cNvPr id="9" name="Oval 8"/>
+          <p:cNvSpPr/>
+          <p:nvPr/>
+        </p:nvSpPr>
+        <p:spPr>
+          <a:xfrm>
+            <a:off x="7344155" y="3226932"/>
+            <a:ext cx="862445" cy="862445"/>
+          </a:xfrm>
+          <a:prstGeom prst="ellipse">
+            <a:avLst/>
+          </a:prstGeom>
+          <a:noFill/>
+          <a:ln w="25400">
+            <a:solidFill>
+              <a:schemeClr val="tx1"/>
+            </a:solidFill>
+          </a:ln>
+        </p:spPr>
+        <p:style>
+          <a:lnRef idx="2">
+            <a:schemeClr val="accent1">
+              <a:shade val="50000"/>
+            </a:schemeClr>
+          </a:lnRef>
+          <a:fillRef idx="1">
+            <a:schemeClr val="accent1"/>
+          </a:fillRef>
+          <a:effectRef idx="0">
+            <a:schemeClr val="accent1"/>
+          </a:effectRef>
+          <a:fontRef idx="minor">
+            <a:schemeClr val="lt1"/>
+          </a:fontRef>
+        </p:style>
+        <p:txBody>
+          <a:bodyPr rtlCol="0" anchor="ctr"/>
+          <a:lstStyle/>
+          <a:p>
+            <a:pPr algn="ctr"/>
+            <a:endParaRPr lang="en-US"/>
+          </a:p>
+        </p:txBody>
+      </p:sp>
+      <p:cxnSp>
+        <p:nvCxnSpPr>
+          <p:cNvPr id="10" name="Straight Arrow Connector 9"/>
+          <p:cNvCxnSpPr>
+            <a:stCxn id="7" idx="6"/>
+            <a:endCxn id="8" idx="2"/>
+          </p:cNvCxnSpPr>
+          <p:nvPr/>
+        </p:nvCxnSpPr>
+        <p:spPr>
+          <a:xfrm>
+            <a:off x="2281012" y="3658155"/>
+            <a:ext cx="2128751" cy="0"/>
+          </a:xfrm>
+          <a:prstGeom prst="straightConnector1">
+            <a:avLst/>
+          </a:prstGeom>
+          <a:ln w="25400">
+            <a:solidFill>
+              <a:schemeClr val="tx1"/>
+            </a:solidFill>
+            <a:tailEnd type="triangle"/>
+          </a:ln>
+        </p:spPr>
+        <p:style>
+          <a:lnRef idx="1">
+            <a:schemeClr val="accent1"/>
+          </a:lnRef>
+          <a:fillRef idx="0">
+            <a:schemeClr val="accent1"/>
+          </a:fillRef>
+          <a:effectRef idx="0">
+            <a:schemeClr val="accent1"/>
+          </a:effectRef>
+          <a:fontRef idx="minor">
+            <a:schemeClr val="tx1"/>
+          </a:fontRef>
+        </p:style>
+      </p:cxnSp>
+      <p:cxnSp>
+        <p:nvCxnSpPr>
+          <p:cNvPr id="11" name="Straight Arrow Connector 10"/>
+          <p:cNvCxnSpPr>
+            <a:stCxn id="8" idx="6"/>
+            <a:endCxn id="9" idx="2"/>
+          </p:cNvCxnSpPr>
+          <p:nvPr/>
+        </p:nvCxnSpPr>
+        <p:spPr>
+          <a:xfrm>
+            <a:off x="5272208" y="3658155"/>
+            <a:ext cx="2071947" cy="0"/>
+          </a:xfrm>
+          <a:prstGeom prst="straightConnector1">
+            <a:avLst/>
+          </a:prstGeom>
+          <a:ln w="25400">
+            <a:solidFill>
+              <a:schemeClr val="tx1"/>
+            </a:solidFill>
+            <a:tailEnd type="triangle"/>
+          </a:ln>
+        </p:spPr>
+        <p:style>
+          <a:lnRef idx="1">
+            <a:schemeClr val="accent1"/>
+          </a:lnRef>
+          <a:fillRef idx="0">
+            <a:schemeClr val="accent1"/>
+          </a:fillRef>
+          <a:effectRef idx="0">
+            <a:schemeClr val="accent1"/>
+          </a:effectRef>
+          <a:fontRef idx="minor">
+            <a:schemeClr val="tx1"/>
+          </a:fontRef>
+        </p:style>
+      </p:cxnSp>
+      <p:cxnSp>
+        <p:nvCxnSpPr>
+          <p:cNvPr id="12" name="Curved Connector 11"/>
+          <p:cNvCxnSpPr/>
+          <p:nvPr/>
+        </p:nvCxnSpPr>
+        <p:spPr>
+          <a:xfrm rot="10800000" flipH="1">
+            <a:off x="4421192" y="3623865"/>
+            <a:ext cx="862445" cy="12700"/>
+          </a:xfrm>
+          <a:prstGeom prst="curvedConnector5">
+            <a:avLst>
+              <a:gd name="adj1" fmla="val -26506"/>
+              <a:gd name="adj2" fmla="val 5195449"/>
+              <a:gd name="adj3" fmla="val 126506"/>
+            </a:avLst>
+          </a:prstGeom>
+          <a:ln w="25400">
+            <a:solidFill>
+              <a:schemeClr val="tx1"/>
+            </a:solidFill>
+            <a:tailEnd type="triangle"/>
+          </a:ln>
+        </p:spPr>
+        <p:style>
+          <a:lnRef idx="1">
+            <a:schemeClr val="accent1"/>
+          </a:lnRef>
+          <a:fillRef idx="0">
+            <a:schemeClr val="accent1"/>
+          </a:fillRef>
+          <a:effectRef idx="0">
+            <a:schemeClr val="accent1"/>
+          </a:effectRef>
+          <a:fontRef idx="minor">
+            <a:schemeClr val="tx1"/>
+          </a:fontRef>
+        </p:style>
+      </p:cxnSp>
+      <p:sp>
+        <p:nvSpPr>
+          <p:cNvPr id="13" name="TextBox 12"/>
+          <p:cNvSpPr txBox="1"/>
+          <p:nvPr/>
+        </p:nvSpPr>
+        <p:spPr>
+          <a:xfrm>
+            <a:off x="2425446" y="3294126"/>
+            <a:ext cx="1688026" cy="369332"/>
+          </a:xfrm>
+          <a:prstGeom prst="rect">
+            <a:avLst/>
+          </a:prstGeom>
+          <a:noFill/>
+        </p:spPr>
+        <p:txBody>
+          <a:bodyPr wrap="none" rtlCol="0">
+            <a:spAutoFit/>
+          </a:bodyPr>
+          <a:lstStyle/>
+          <a:p>
+            <a:r>
+              <a:rPr lang="en-US" dirty="0"/>
+              <a:t>Entry statement</a:t>
+            </a:r>
+          </a:p>
+        </p:txBody>
+      </p:sp>
+      <p:sp>
+        <p:nvSpPr>
+          <p:cNvPr id="14" name="TextBox 13"/>
+          <p:cNvSpPr txBox="1"/>
+          <p:nvPr/>
+        </p:nvSpPr>
+        <p:spPr>
+          <a:xfrm>
+            <a:off x="5602986" y="3282696"/>
+            <a:ext cx="1535100" cy="369332"/>
+          </a:xfrm>
+          <a:prstGeom prst="rect">
+            <a:avLst/>
+          </a:prstGeom>
+          <a:noFill/>
+        </p:spPr>
+        <p:txBody>
+          <a:bodyPr wrap="none" rtlCol="0">
+            <a:spAutoFit/>
+          </a:bodyPr>
+          <a:lstStyle/>
+          <a:p>
+            <a:r>
+              <a:rPr lang="en-US" dirty="0"/>
+              <a:t>Exit statement</a:t>
+            </a:r>
+          </a:p>
+        </p:txBody>
+      </p:sp>
+      <p:sp>
+        <p:nvSpPr>
+          <p:cNvPr id="15" name="TextBox 14"/>
+          <p:cNvSpPr txBox="1"/>
+          <p:nvPr/>
+        </p:nvSpPr>
+        <p:spPr>
+          <a:xfrm>
+            <a:off x="3895412" y="2596896"/>
+            <a:ext cx="1797993" cy="369332"/>
+          </a:xfrm>
+          <a:prstGeom prst="rect">
+            <a:avLst/>
+          </a:prstGeom>
+          <a:noFill/>
+        </p:spPr>
+        <p:txBody>
+          <a:bodyPr wrap="none" rtlCol="0">
+            <a:spAutoFit/>
+          </a:bodyPr>
+          <a:lstStyle/>
+          <a:p>
+            <a:r>
+              <a:rPr lang="en-US" dirty="0"/>
+              <a:t>Action statement</a:t>
+            </a:r>
+          </a:p>
+        </p:txBody>
+      </p:sp>
+      <p:cxnSp>
+        <p:nvCxnSpPr>
+          <p:cNvPr id="16" name="Straight Arrow Connector 15"/>
+          <p:cNvCxnSpPr>
+            <a:endCxn id="7" idx="1"/>
+          </p:cNvCxnSpPr>
+          <p:nvPr/>
+        </p:nvCxnSpPr>
+        <p:spPr>
+          <a:xfrm>
+            <a:off x="516636" y="3076956"/>
+            <a:ext cx="1028233" cy="276278"/>
+          </a:xfrm>
+          <a:prstGeom prst="straightConnector1">
+            <a:avLst/>
+          </a:prstGeom>
+          <a:ln w="25400">
+            <a:solidFill>
+              <a:schemeClr val="tx1"/>
+            </a:solidFill>
+            <a:tailEnd type="triangle"/>
+          </a:ln>
+        </p:spPr>
+        <p:style>
+          <a:lnRef idx="1">
+            <a:schemeClr val="accent1"/>
+          </a:lnRef>
+          <a:fillRef idx="0">
+            <a:schemeClr val="accent1"/>
+          </a:fillRef>
+          <a:effectRef idx="0">
+            <a:schemeClr val="accent1"/>
+          </a:effectRef>
+          <a:fontRef idx="minor">
+            <a:schemeClr val="tx1"/>
+          </a:fontRef>
+        </p:style>
+      </p:cxnSp>
+      <p:cxnSp>
+        <p:nvCxnSpPr>
+          <p:cNvPr id="17" name="Straight Arrow Connector 16"/>
+          <p:cNvCxnSpPr>
+            <a:endCxn id="7" idx="2"/>
+          </p:cNvCxnSpPr>
+          <p:nvPr/>
+        </p:nvCxnSpPr>
+        <p:spPr>
+          <a:xfrm flipV="1">
+            <a:off x="608076" y="3658155"/>
+            <a:ext cx="810491" cy="5303"/>
+          </a:xfrm>
+          <a:prstGeom prst="straightConnector1">
+            <a:avLst/>
+          </a:prstGeom>
+          <a:ln w="25400">
+            <a:solidFill>
+              <a:schemeClr val="tx1"/>
+            </a:solidFill>
+            <a:tailEnd type="triangle"/>
+          </a:ln>
+        </p:spPr>
+        <p:style>
+          <a:lnRef idx="1">
+            <a:schemeClr val="accent1"/>
+          </a:lnRef>
+          <a:fillRef idx="0">
+            <a:schemeClr val="accent1"/>
+          </a:fillRef>
+          <a:effectRef idx="0">
+            <a:schemeClr val="accent1"/>
+          </a:effectRef>
+          <a:fontRef idx="minor">
+            <a:schemeClr val="tx1"/>
+          </a:fontRef>
+        </p:style>
+      </p:cxnSp>
+      <p:cxnSp>
+        <p:nvCxnSpPr>
+          <p:cNvPr id="18" name="Straight Arrow Connector 17"/>
+          <p:cNvCxnSpPr>
+            <a:endCxn id="7" idx="3"/>
+          </p:cNvCxnSpPr>
+          <p:nvPr/>
+        </p:nvCxnSpPr>
+        <p:spPr>
+          <a:xfrm flipV="1">
+            <a:off x="676656" y="3963075"/>
+            <a:ext cx="868213" cy="394041"/>
+          </a:xfrm>
+          <a:prstGeom prst="straightConnector1">
+            <a:avLst/>
+          </a:prstGeom>
+          <a:ln w="25400">
+            <a:solidFill>
+              <a:schemeClr val="tx1"/>
+            </a:solidFill>
+            <a:tailEnd type="triangle"/>
+          </a:ln>
+        </p:spPr>
+        <p:style>
+          <a:lnRef idx="1">
+            <a:schemeClr val="accent1"/>
+          </a:lnRef>
+          <a:fillRef idx="0">
+            <a:schemeClr val="accent1"/>
+          </a:fillRef>
+          <a:effectRef idx="0">
+            <a:schemeClr val="accent1"/>
+          </a:effectRef>
+          <a:fontRef idx="minor">
+            <a:schemeClr val="tx1"/>
+          </a:fontRef>
+        </p:style>
+      </p:cxnSp>
+      <p:cxnSp>
+        <p:nvCxnSpPr>
+          <p:cNvPr id="19" name="Straight Arrow Connector 18"/>
+          <p:cNvCxnSpPr>
+            <a:stCxn id="9" idx="7"/>
+          </p:cNvCxnSpPr>
+          <p:nvPr/>
+        </p:nvCxnSpPr>
+        <p:spPr>
+          <a:xfrm flipV="1">
+            <a:off x="8080298" y="2966228"/>
+            <a:ext cx="665938" cy="387006"/>
+          </a:xfrm>
+          <a:prstGeom prst="straightConnector1">
+            <a:avLst/>
+          </a:prstGeom>
+          <a:ln w="25400">
+            <a:solidFill>
+              <a:schemeClr val="tx1"/>
+            </a:solidFill>
+            <a:tailEnd type="triangle"/>
+          </a:ln>
+        </p:spPr>
+        <p:style>
+          <a:lnRef idx="1">
+            <a:schemeClr val="accent1"/>
+          </a:lnRef>
+          <a:fillRef idx="0">
+            <a:schemeClr val="accent1"/>
+          </a:fillRef>
+          <a:effectRef idx="0">
+            <a:schemeClr val="accent1"/>
+          </a:effectRef>
+          <a:fontRef idx="minor">
+            <a:schemeClr val="tx1"/>
+          </a:fontRef>
+        </p:style>
+      </p:cxnSp>
+      <p:cxnSp>
+        <p:nvCxnSpPr>
+          <p:cNvPr id="20" name="Straight Arrow Connector 19"/>
+          <p:cNvCxnSpPr>
+            <a:stCxn id="9" idx="6"/>
+          </p:cNvCxnSpPr>
+          <p:nvPr/>
+        </p:nvCxnSpPr>
+        <p:spPr>
+          <a:xfrm>
+            <a:off x="8206600" y="3658155"/>
+            <a:ext cx="619646" cy="5303"/>
+          </a:xfrm>
+          <a:prstGeom prst="straightConnector1">
+            <a:avLst/>
+          </a:prstGeom>
+          <a:ln w="25400">
+            <a:solidFill>
+              <a:schemeClr val="tx1"/>
+            </a:solidFill>
+            <a:tailEnd type="triangle"/>
+          </a:ln>
+        </p:spPr>
+        <p:style>
+          <a:lnRef idx="1">
+            <a:schemeClr val="accent1"/>
+          </a:lnRef>
+          <a:fillRef idx="0">
+            <a:schemeClr val="accent1"/>
+          </a:fillRef>
+          <a:effectRef idx="0">
+            <a:schemeClr val="accent1"/>
+          </a:effectRef>
+          <a:fontRef idx="minor">
+            <a:schemeClr val="tx1"/>
+          </a:fontRef>
+        </p:style>
+      </p:cxnSp>
+      <p:cxnSp>
+        <p:nvCxnSpPr>
+          <p:cNvPr id="21" name="Straight Arrow Connector 20"/>
+          <p:cNvCxnSpPr>
+            <a:stCxn id="9" idx="5"/>
+          </p:cNvCxnSpPr>
+          <p:nvPr/>
+        </p:nvCxnSpPr>
+        <p:spPr>
+          <a:xfrm>
+            <a:off x="8080298" y="3963075"/>
+            <a:ext cx="665938" cy="256881"/>
+          </a:xfrm>
+          <a:prstGeom prst="straightConnector1">
+            <a:avLst/>
+          </a:prstGeom>
+          <a:ln w="25400">
+            <a:solidFill>
+              <a:schemeClr val="tx1"/>
+            </a:solidFill>
+            <a:tailEnd type="triangle"/>
+          </a:ln>
+        </p:spPr>
+        <p:style>
+          <a:lnRef idx="1">
+            <a:schemeClr val="accent1"/>
+          </a:lnRef>
+          <a:fillRef idx="0">
+            <a:schemeClr val="accent1"/>
+          </a:fillRef>
+          <a:effectRef idx="0">
+            <a:schemeClr val="accent1"/>
+          </a:effectRef>
+          <a:fontRef idx="minor">
+            <a:schemeClr val="tx1"/>
+          </a:fontRef>
+        </p:style>
+      </p:cxnSp>
+      <p:sp>
+        <p:nvSpPr>
+          <p:cNvPr id="22" name="TextBox 21"/>
+          <p:cNvSpPr txBox="1"/>
+          <p:nvPr/>
+        </p:nvSpPr>
+        <p:spPr>
+          <a:xfrm>
+            <a:off x="443059" y="2135231"/>
+            <a:ext cx="1175386" cy="646331"/>
+          </a:xfrm>
+          <a:prstGeom prst="rect">
+            <a:avLst/>
+          </a:prstGeom>
+          <a:noFill/>
+        </p:spPr>
+        <p:txBody>
+          <a:bodyPr wrap="none" rtlCol="0">
+            <a:spAutoFit/>
+          </a:bodyPr>
+          <a:lstStyle/>
+          <a:p>
+            <a:r>
+              <a:rPr lang="en-US" dirty="0"/>
+              <a:t>Incoming</a:t>
+            </a:r>
+          </a:p>
+          <a:p>
+            <a:r>
+              <a:rPr lang="en-US" dirty="0"/>
+              <a:t>transitions</a:t>
+            </a:r>
+          </a:p>
+        </p:txBody>
+      </p:sp>
+      <p:sp>
+        <p:nvSpPr>
+          <p:cNvPr id="23" name="TextBox 22"/>
+          <p:cNvSpPr txBox="1"/>
+          <p:nvPr/>
+        </p:nvSpPr>
+        <p:spPr>
+          <a:xfrm>
+            <a:off x="7766895" y="4526103"/>
+            <a:ext cx="1175386" cy="646331"/>
+          </a:xfrm>
+          <a:prstGeom prst="rect">
+            <a:avLst/>
+          </a:prstGeom>
+          <a:noFill/>
+        </p:spPr>
+        <p:txBody>
+          <a:bodyPr wrap="none" rtlCol="0">
+            <a:spAutoFit/>
+          </a:bodyPr>
+          <a:lstStyle/>
+          <a:p>
+            <a:r>
+              <a:rPr lang="en-US" dirty="0"/>
+              <a:t>Outgoing</a:t>
+            </a:r>
+          </a:p>
+          <a:p>
+            <a:r>
+              <a:rPr lang="en-US" dirty="0"/>
+              <a:t>transitions</a:t>
+            </a:r>
           </a:p>
         </p:txBody>
       </p:sp>
@@ -5429,10 +6629,52 @@
         </p:nvSpPr>
         <p:spPr/>
         <p:txBody>
-          <a:bodyPr/>
-          <a:lstStyle/>
-          <a:p>
-            <a:endParaRPr lang="en-US"/>
+          <a:bodyPr>
+            <a:normAutofit/>
+          </a:bodyPr>
+          <a:lstStyle/>
+          <a:p>
+            <a:r>
+              <a:rPr lang="en-US" sz="2400" dirty="0"/>
+              <a:t>Responsiveness is a key design goal of P.</a:t>
+            </a:r>
+          </a:p>
+          <a:p>
+            <a:endParaRPr lang="en-US" sz="2400" dirty="0"/>
+          </a:p>
+          <a:p>
+            <a:r>
+              <a:rPr lang="en-US" sz="2400" dirty="0"/>
+              <a:t>Every event should be handle in every state, failure to do so is an Error.</a:t>
+            </a:r>
+          </a:p>
+          <a:p>
+            <a:endParaRPr lang="en-US" sz="2400" dirty="0"/>
+          </a:p>
+          <a:p>
+            <a:r>
+              <a:rPr lang="en-US" sz="2400" dirty="0"/>
+              <a:t>Caveat : Sometimes user may want to “defer” handling of an event.</a:t>
+            </a:r>
+          </a:p>
+          <a:p>
+            <a:pPr lvl="1"/>
+            <a:r>
+              <a:rPr lang="en-US" sz="2000" dirty="0"/>
+              <a:t>P provides “deferred set” annotation in each state.</a:t>
+            </a:r>
+          </a:p>
+          <a:p>
+            <a:pPr lvl="1"/>
+            <a:r>
+              <a:rPr lang="en-US" sz="2000" dirty="0"/>
+              <a:t>However you cannot defer an event forever; P provide liveness checks to catch this using model-checking techniques</a:t>
+            </a:r>
+            <a:r>
+              <a:rPr lang="en-US" sz="2000" dirty="0" smtClean="0"/>
+              <a:t>.</a:t>
+            </a:r>
+            <a:endParaRPr lang="en-US" sz="2000" dirty="0"/>
           </a:p>
         </p:txBody>
       </p:sp>
@@ -5560,7 +6802,7 @@
           <a:p>
             <a:r>
               <a:rPr lang="en-US" dirty="0" smtClean="0"/>
-              <a:t>Hierarchical State Machines</a:t>
+              <a:t>Server Machine</a:t>
             </a:r>
             <a:endParaRPr lang="en-US" dirty="0"/>
           </a:p>
@@ -5658,7 +6900,7 @@
     </p:spTree>
     <p:extLst>
       <p:ext uri="{BB962C8B-B14F-4D97-AF65-F5344CB8AC3E}">
-        <p14:creationId xmlns:p14="http://schemas.microsoft.com/office/powerpoint/2010/main" val="1782139082"/>
+        <p14:creationId xmlns:p14="http://schemas.microsoft.com/office/powerpoint/2010/main" val="2893168257"/>
       </p:ext>
     </p:extLst>
   </p:cSld>
@@ -5709,7 +6951,7 @@
           <a:p>
             <a:r>
               <a:rPr lang="en-US" dirty="0" smtClean="0"/>
-              <a:t>Specifications </a:t>
+              <a:t>Hierarchical State Machines</a:t>
             </a:r>
             <a:endParaRPr lang="en-US" dirty="0"/>
           </a:p>
@@ -5727,89 +6969,10 @@
         </p:nvSpPr>
         <p:spPr/>
         <p:txBody>
-          <a:bodyPr>
-            <a:normAutofit/>
-          </a:bodyPr>
-          <a:lstStyle/>
-          <a:p>
-            <a:r>
-              <a:rPr lang="en-US" sz="2200" dirty="0"/>
-              <a:t>Default specifications</a:t>
-            </a:r>
-          </a:p>
-          <a:p>
-            <a:pPr lvl="1"/>
-            <a:r>
-              <a:rPr lang="en-US" sz="2200" dirty="0"/>
-              <a:t>Safety: every </a:t>
-            </a:r>
-            <a:r>
-              <a:rPr lang="en-US" sz="2200" dirty="0" err="1"/>
-              <a:t>dequeued</a:t>
-            </a:r>
-            <a:r>
-              <a:rPr lang="en-US" sz="2200" dirty="0"/>
-              <a:t> event is handled</a:t>
-            </a:r>
-          </a:p>
-          <a:p>
-            <a:pPr lvl="1"/>
-            <a:r>
-              <a:rPr lang="en-US" sz="2200" dirty="0"/>
-              <a:t>Liveness: every </a:t>
-            </a:r>
-            <a:r>
-              <a:rPr lang="en-US" sz="2200" dirty="0" err="1"/>
-              <a:t>enqueued</a:t>
-            </a:r>
-            <a:r>
-              <a:rPr lang="en-US" sz="2200" dirty="0"/>
-              <a:t> event is eventually </a:t>
-            </a:r>
-            <a:r>
-              <a:rPr lang="en-US" sz="2200" dirty="0" err="1"/>
-              <a:t>dequeued</a:t>
-            </a:r>
-            <a:r>
-              <a:rPr lang="en-US" sz="2200" dirty="0"/>
-              <a:t> under fair scheduling</a:t>
-            </a:r>
-          </a:p>
-          <a:p>
-            <a:endParaRPr lang="en-US" sz="2200" dirty="0"/>
-          </a:p>
-          <a:p>
-            <a:r>
-              <a:rPr lang="en-US" sz="2200" dirty="0"/>
-              <a:t>Bounds </a:t>
-            </a:r>
-          </a:p>
-          <a:p>
-            <a:pPr lvl="1"/>
-            <a:r>
-              <a:rPr lang="en-US" sz="2200" dirty="0"/>
-              <a:t>maximum queue size for machine types</a:t>
-            </a:r>
-          </a:p>
-          <a:p>
-            <a:pPr lvl="1"/>
-            <a:r>
-              <a:rPr lang="en-US" sz="2200" dirty="0"/>
-              <a:t>maximum number of instances for event types</a:t>
-            </a:r>
-          </a:p>
-          <a:p>
-            <a:endParaRPr lang="en-US" sz="2200" dirty="0"/>
-          </a:p>
-          <a:p>
-            <a:r>
-              <a:rPr lang="en-US" sz="2200" dirty="0" smtClean="0"/>
-              <a:t>Local Assertions</a:t>
-            </a:r>
-            <a:endParaRPr lang="en-US" sz="2200" dirty="0"/>
-          </a:p>
-          <a:p>
-            <a:endParaRPr lang="en-US" sz="2200" dirty="0"/>
+          <a:bodyPr/>
+          <a:lstStyle/>
+          <a:p>
+            <a:endParaRPr lang="en-US"/>
           </a:p>
         </p:txBody>
       </p:sp>
@@ -5886,7 +7049,7 @@
     </p:spTree>
     <p:extLst>
       <p:ext uri="{BB962C8B-B14F-4D97-AF65-F5344CB8AC3E}">
-        <p14:creationId xmlns:p14="http://schemas.microsoft.com/office/powerpoint/2010/main" val="3538222150"/>
+        <p14:creationId xmlns:p14="http://schemas.microsoft.com/office/powerpoint/2010/main" val="1782139082"/>
       </p:ext>
     </p:extLst>
   </p:cSld>
@@ -5937,7 +7100,7 @@
           <a:p>
             <a:r>
               <a:rPr lang="en-US" dirty="0" smtClean="0"/>
-              <a:t>Safety Monitors</a:t>
+              <a:t>Specifications </a:t>
             </a:r>
             <a:endParaRPr lang="en-US" dirty="0"/>
           </a:p>
@@ -5955,14 +7118,89 @@
         </p:nvSpPr>
         <p:spPr/>
         <p:txBody>
-          <a:bodyPr/>
-          <a:lstStyle/>
-          <a:p>
-            <a:r>
-              <a:rPr lang="en-US" dirty="0" smtClean="0"/>
-              <a:t>Monitors and announce</a:t>
-            </a:r>
-            <a:endParaRPr lang="en-US" dirty="0"/>
+          <a:bodyPr>
+            <a:normAutofit/>
+          </a:bodyPr>
+          <a:lstStyle/>
+          <a:p>
+            <a:r>
+              <a:rPr lang="en-US" sz="2200" dirty="0"/>
+              <a:t>Default specifications</a:t>
+            </a:r>
+          </a:p>
+          <a:p>
+            <a:pPr lvl="1"/>
+            <a:r>
+              <a:rPr lang="en-US" sz="2200" dirty="0"/>
+              <a:t>Safety: every </a:t>
+            </a:r>
+            <a:r>
+              <a:rPr lang="en-US" sz="2200" dirty="0" err="1"/>
+              <a:t>dequeued</a:t>
+            </a:r>
+            <a:r>
+              <a:rPr lang="en-US" sz="2200" dirty="0"/>
+              <a:t> event is handled</a:t>
+            </a:r>
+          </a:p>
+          <a:p>
+            <a:pPr lvl="1"/>
+            <a:r>
+              <a:rPr lang="en-US" sz="2200" dirty="0"/>
+              <a:t>Liveness: every </a:t>
+            </a:r>
+            <a:r>
+              <a:rPr lang="en-US" sz="2200" dirty="0" err="1"/>
+              <a:t>enqueued</a:t>
+            </a:r>
+            <a:r>
+              <a:rPr lang="en-US" sz="2200" dirty="0"/>
+              <a:t> event is eventually </a:t>
+            </a:r>
+            <a:r>
+              <a:rPr lang="en-US" sz="2200" dirty="0" err="1"/>
+              <a:t>dequeued</a:t>
+            </a:r>
+            <a:r>
+              <a:rPr lang="en-US" sz="2200" dirty="0"/>
+              <a:t> under fair scheduling</a:t>
+            </a:r>
+          </a:p>
+          <a:p>
+            <a:endParaRPr lang="en-US" sz="2200" dirty="0"/>
+          </a:p>
+          <a:p>
+            <a:r>
+              <a:rPr lang="en-US" sz="2200" dirty="0"/>
+              <a:t>Bounds </a:t>
+            </a:r>
+          </a:p>
+          <a:p>
+            <a:pPr lvl="1"/>
+            <a:r>
+              <a:rPr lang="en-US" sz="2200" dirty="0"/>
+              <a:t>maximum queue size for machine types</a:t>
+            </a:r>
+          </a:p>
+          <a:p>
+            <a:pPr lvl="1"/>
+            <a:r>
+              <a:rPr lang="en-US" sz="2200" dirty="0"/>
+              <a:t>maximum number of instances for event types</a:t>
+            </a:r>
+          </a:p>
+          <a:p>
+            <a:endParaRPr lang="en-US" sz="2200" dirty="0"/>
+          </a:p>
+          <a:p>
+            <a:r>
+              <a:rPr lang="en-US" sz="2200" dirty="0" smtClean="0"/>
+              <a:t>Local Assertions</a:t>
+            </a:r>
+            <a:endParaRPr lang="en-US" sz="2200" dirty="0"/>
+          </a:p>
+          <a:p>
+            <a:endParaRPr lang="en-US" sz="2200" dirty="0"/>
           </a:p>
         </p:txBody>
       </p:sp>
@@ -6039,7 +7277,7 @@
     </p:spTree>
     <p:extLst>
       <p:ext uri="{BB962C8B-B14F-4D97-AF65-F5344CB8AC3E}">
-        <p14:creationId xmlns:p14="http://schemas.microsoft.com/office/powerpoint/2010/main" val="3427276350"/>
+        <p14:creationId xmlns:p14="http://schemas.microsoft.com/office/powerpoint/2010/main" val="3538222150"/>
       </p:ext>
     </p:extLst>
   </p:cSld>

--- a/Presentations/2 - PLanguage.pptx
+++ b/Presentations/2 - PLanguage.pptx
@@ -3702,11 +3702,7 @@
           <a:p>
             <a:r>
               <a:rPr lang="en-US" dirty="0" smtClean="0"/>
-              <a:t>Safety </a:t>
-            </a:r>
-            <a:r>
-              <a:rPr lang="en-US" dirty="0" smtClean="0"/>
-              <a:t>and Liveness Monitors</a:t>
+              <a:t>Safety and Liveness Monitors</a:t>
             </a:r>
             <a:endParaRPr lang="en-US" dirty="0"/>
           </a:p>
